--- a/Presentation/Presentation.pptx
+++ b/Presentation/Presentation.pptx
@@ -248,7 +248,7 @@
           <a:p>
             <a:fld id="{3FA6FDA4-907F-C840-8573-33F4849B33D4}" type="datetimeFigureOut">
               <a:rPr lang="en-US" smtClean="0"/>
-              <a:t>9/17/19</a:t>
+              <a:t>9/18/2019</a:t>
             </a:fld>
             <a:endParaRPr lang="en-US"/>
           </a:p>
@@ -414,7 +414,7 @@
           <a:p>
             <a:fld id="{290492DD-1613-8B48-9182-1ECEE9190ABB}" type="datetimeFigureOut">
               <a:rPr lang="en-US" smtClean="0"/>
-              <a:t>9/17/19</a:t>
+              <a:t>9/18/2019</a:t>
             </a:fld>
             <a:endParaRPr lang="en-US"/>
           </a:p>
@@ -2940,7 +2940,7 @@
           </a:ln>
           <a:extLst>
             <a:ext uri="{909E8E84-426E-40dd-AFC4-6F175D3DCCD1}">
-              <a14:hiddenFill xmlns:a14="http://schemas.microsoft.com/office/drawing/2010/main" xmlns="">
+              <a14:hiddenFill xmlns="" xmlns:a14="http://schemas.microsoft.com/office/drawing/2010/main">
                 <a:noFill/>
               </a14:hiddenFill>
             </a:ext>
@@ -2978,14 +2978,14 @@
           </a:ln>
           <a:extLst>
             <a:ext uri="{909E8E84-426E-40dd-AFC4-6F175D3DCCD1}">
-              <a14:hiddenFill xmlns:a14="http://schemas.microsoft.com/office/drawing/2010/main" xmlns="">
+              <a14:hiddenFill xmlns="" xmlns:a14="http://schemas.microsoft.com/office/drawing/2010/main">
                 <a:solidFill>
                   <a:srgbClr val="FFFFFF"/>
                 </a:solidFill>
               </a14:hiddenFill>
             </a:ext>
             <a:ext uri="{91240B29-F687-4f45-9708-019B960494DF}">
-              <a14:hiddenLine xmlns:a14="http://schemas.microsoft.com/office/drawing/2010/main" xmlns="" w="9525">
+              <a14:hiddenLine xmlns="" xmlns:a14="http://schemas.microsoft.com/office/drawing/2010/main" w="9525">
                 <a:solidFill>
                   <a:srgbClr val="000000"/>
                 </a:solidFill>
@@ -2995,7 +2995,7 @@
               </a14:hiddenLine>
             </a:ext>
             <a:ext uri="{FAA26D3D-D897-4be2-8F04-BA451C77F1D7}">
-              <ma14:placeholderFlag xmlns:ma14="http://schemas.microsoft.com/office/mac/drawingml/2011/main" xmlns="" val="1"/>
+              <ma14:placeholderFlag xmlns="" xmlns:ma14="http://schemas.microsoft.com/office/mac/drawingml/2011/main" val="1"/>
             </a:ext>
           </a:extLst>
         </p:spPr>
@@ -3043,7 +3043,7 @@
           </a:ln>
           <a:extLst>
             <a:ext uri="{909E8E84-426E-40dd-AFC4-6F175D3DCCD1}">
-              <a14:hiddenFill xmlns:a14="http://schemas.microsoft.com/office/drawing/2010/main" xmlns="">
+              <a14:hiddenFill xmlns="" xmlns:a14="http://schemas.microsoft.com/office/drawing/2010/main">
                 <a:noFill/>
               </a14:hiddenFill>
             </a:ext>
@@ -3079,14 +3079,14 @@
           </a:ln>
           <a:extLst>
             <a:ext uri="{909E8E84-426E-40dd-AFC4-6F175D3DCCD1}">
-              <a14:hiddenFill xmlns:a14="http://schemas.microsoft.com/office/drawing/2010/main" xmlns="">
+              <a14:hiddenFill xmlns="" xmlns:a14="http://schemas.microsoft.com/office/drawing/2010/main">
                 <a:solidFill>
                   <a:srgbClr val="FFFFFF"/>
                 </a:solidFill>
               </a14:hiddenFill>
             </a:ext>
             <a:ext uri="{91240B29-F687-4f45-9708-019B960494DF}">
-              <a14:hiddenLine xmlns:a14="http://schemas.microsoft.com/office/drawing/2010/main" xmlns="" w="9525">
+              <a14:hiddenLine xmlns="" xmlns:a14="http://schemas.microsoft.com/office/drawing/2010/main" w="9525">
                 <a:solidFill>
                   <a:srgbClr val="000000"/>
                 </a:solidFill>
@@ -3243,14 +3243,14 @@
           </a:ln>
           <a:extLst>
             <a:ext uri="{909E8E84-426E-40dd-AFC4-6F175D3DCCD1}">
-              <a14:hiddenFill xmlns:a14="http://schemas.microsoft.com/office/drawing/2010/main" xmlns="">
+              <a14:hiddenFill xmlns="" xmlns:a14="http://schemas.microsoft.com/office/drawing/2010/main">
                 <a:solidFill>
                   <a:srgbClr val="FFFFFF"/>
                 </a:solidFill>
               </a14:hiddenFill>
             </a:ext>
             <a:ext uri="{91240B29-F687-4f45-9708-019B960494DF}">
-              <a14:hiddenLine xmlns:a14="http://schemas.microsoft.com/office/drawing/2010/main" xmlns="" w="9525">
+              <a14:hiddenLine xmlns="" xmlns:a14="http://schemas.microsoft.com/office/drawing/2010/main" w="9525">
                 <a:solidFill>
                   <a:srgbClr val="000000"/>
                 </a:solidFill>
@@ -3260,7 +3260,7 @@
               </a14:hiddenLine>
             </a:ext>
             <a:ext uri="{FAA26D3D-D897-4be2-8F04-BA451C77F1D7}">
-              <ma14:placeholderFlag xmlns:ma14="http://schemas.microsoft.com/office/mac/drawingml/2011/main" xmlns="" val="1"/>
+              <ma14:placeholderFlag xmlns="" xmlns:ma14="http://schemas.microsoft.com/office/mac/drawingml/2011/main" val="1"/>
             </a:ext>
           </a:extLst>
         </p:spPr>
@@ -3895,8 +3895,8 @@
         </p:nvSpPr>
         <p:spPr bwMode="auto">
           <a:xfrm>
-            <a:off x="568893" y="4293096"/>
-            <a:ext cx="8764588" cy="1893468"/>
+            <a:off x="568893" y="4077072"/>
+            <a:ext cx="8764588" cy="2798331"/>
           </a:xfrm>
           <a:prstGeom prst="rect">
             <a:avLst/>
@@ -3907,14 +3907,14 @@
           </a:ln>
           <a:extLst>
             <a:ext uri="{909E8E84-426E-40dd-AFC4-6F175D3DCCD1}">
-              <a14:hiddenFill xmlns:a14="http://schemas.microsoft.com/office/drawing/2010/main" xmlns="">
+              <a14:hiddenFill xmlns="" xmlns:a14="http://schemas.microsoft.com/office/drawing/2010/main">
                 <a:solidFill>
                   <a:srgbClr val="FFFFFF"/>
                 </a:solidFill>
               </a14:hiddenFill>
             </a:ext>
             <a:ext uri="{91240B29-F687-4f45-9708-019B960494DF}">
-              <a14:hiddenLine xmlns:a14="http://schemas.microsoft.com/office/drawing/2010/main" xmlns="" w="9525">
+              <a14:hiddenLine xmlns="" xmlns:a14="http://schemas.microsoft.com/office/drawing/2010/main" w="9525">
                 <a:solidFill>
                   <a:srgbClr val="000000"/>
                 </a:solidFill>
@@ -3940,12 +3940,28 @@
               </a:spcAft>
             </a:pPr>
             <a:r>
-              <a:rPr lang="en-US" b="1" dirty="0">
-                <a:solidFill>
-                  <a:schemeClr val="tx1"/>
-                </a:solidFill>
-              </a:rPr>
-              <a:t>Investigators:</a:t>
+              <a:rPr lang="en-US" sz="1600" b="1" dirty="0"/>
+              <a:t>Kayla-Jade </a:t>
+            </a:r>
+            <a:r>
+              <a:rPr lang="en-US" sz="1600" b="1" dirty="0" err="1" smtClean="0"/>
+              <a:t>Butkow</a:t>
+            </a:r>
+            <a:r>
+              <a:rPr lang="en-US" sz="1600" b="1" dirty="0" smtClean="0"/>
+              <a:t>*, </a:t>
+            </a:r>
+            <a:r>
+              <a:rPr lang="en-US" sz="1600" b="1" dirty="0"/>
+              <a:t>Kelvin da </a:t>
+            </a:r>
+            <a:r>
+              <a:rPr lang="en-US" sz="1600" b="1" dirty="0" smtClean="0"/>
+              <a:t>Silva* and </a:t>
+            </a:r>
+            <a:r>
+              <a:rPr lang="en-US" sz="1600" b="1" dirty="0"/>
+              <a:t>David M. Rubin</a:t>
             </a:r>
           </a:p>
           <a:p>
@@ -3958,17 +3974,82 @@
               </a:spcAft>
             </a:pPr>
             <a:r>
-              <a:rPr lang="en-US" b="1" dirty="0"/>
-              <a:t>Kayla-Jade </a:t>
-            </a:r>
-            <a:r>
-              <a:rPr lang="en-US" b="1" dirty="0" err="1"/>
-              <a:t>Butkow</a:t>
-            </a:r>
-            <a:r>
-              <a:rPr lang="en-US" b="1" dirty="0"/>
-              <a:t> and Kelvin da Silva</a:t>
-            </a:r>
+              <a:rPr lang="en-US" sz="1600" b="1" dirty="0"/>
+              <a:t>Biomedical Engineering Research Group</a:t>
+            </a:r>
+          </a:p>
+          <a:p>
+            <a:pPr algn="ctr" defTabSz="762000">
+              <a:lnSpc>
+                <a:spcPct val="90000"/>
+              </a:lnSpc>
+              <a:spcAft>
+                <a:spcPct val="50000"/>
+              </a:spcAft>
+            </a:pPr>
+            <a:r>
+              <a:rPr lang="en-US" sz="1600" b="1" dirty="0"/>
+              <a:t>School of Electrical and Information Engineering</a:t>
+            </a:r>
+          </a:p>
+          <a:p>
+            <a:pPr algn="ctr" defTabSz="762000">
+              <a:lnSpc>
+                <a:spcPct val="90000"/>
+              </a:lnSpc>
+              <a:spcAft>
+                <a:spcPct val="50000"/>
+              </a:spcAft>
+            </a:pPr>
+            <a:r>
+              <a:rPr lang="en-US" sz="1600" b="1" dirty="0"/>
+              <a:t>University of the Witwatersrand, Johannesburg</a:t>
+            </a:r>
+          </a:p>
+          <a:p>
+            <a:pPr algn="ctr" defTabSz="762000">
+              <a:lnSpc>
+                <a:spcPct val="90000"/>
+              </a:lnSpc>
+              <a:spcAft>
+                <a:spcPct val="50000"/>
+              </a:spcAft>
+            </a:pPr>
+            <a:r>
+              <a:rPr lang="en-US" sz="1600" b="1" dirty="0" err="1"/>
+              <a:t>Braamfontein</a:t>
+            </a:r>
+            <a:r>
+              <a:rPr lang="en-US" sz="1600" b="1" dirty="0"/>
+              <a:t>, South </a:t>
+            </a:r>
+            <a:r>
+              <a:rPr lang="en-US" sz="1600" b="1" dirty="0" smtClean="0"/>
+              <a:t>Africa</a:t>
+            </a:r>
+          </a:p>
+          <a:p>
+            <a:pPr algn="ctr" defTabSz="762000">
+              <a:lnSpc>
+                <a:spcPct val="90000"/>
+              </a:lnSpc>
+              <a:spcAft>
+                <a:spcPct val="50000"/>
+              </a:spcAft>
+            </a:pPr>
+            <a:r>
+              <a:rPr lang="en-US" sz="1600" b="1" dirty="0" smtClean="0"/>
+              <a:t>*Joint </a:t>
+            </a:r>
+            <a:r>
+              <a:rPr lang="en-US" sz="1600" b="1" dirty="0"/>
+              <a:t>first authors</a:t>
+            </a:r>
+            <a:endParaRPr lang="en-US" b="1" dirty="0">
+              <a:solidFill>
+                <a:schemeClr val="tx1"/>
+              </a:solidFill>
+            </a:endParaRPr>
           </a:p>
           <a:p>
             <a:pPr algn="ctr" defTabSz="762000">
@@ -3984,24 +4065,6 @@
                 <a:schemeClr val="tx1"/>
               </a:solidFill>
             </a:endParaRPr>
-          </a:p>
-          <a:p>
-            <a:pPr algn="ctr" defTabSz="762000">
-              <a:lnSpc>
-                <a:spcPct val="90000"/>
-              </a:lnSpc>
-              <a:spcAft>
-                <a:spcPct val="50000"/>
-              </a:spcAft>
-            </a:pPr>
-            <a:r>
-              <a:rPr lang="en-US" b="1" dirty="0">
-                <a:solidFill>
-                  <a:schemeClr val="tx1"/>
-                </a:solidFill>
-              </a:rPr>
-              <a:t>Presented by:</a:t>
-            </a:r>
           </a:p>
           <a:p>
             <a:pPr algn="ctr" defTabSz="762000">
@@ -4175,14 +4238,14 @@
           </a:ln>
           <a:extLst>
             <a:ext uri="{909E8E84-426E-40dd-AFC4-6F175D3DCCD1}">
-              <a14:hiddenFill xmlns:a14="http://schemas.microsoft.com/office/drawing/2010/main" xmlns="">
+              <a14:hiddenFill xmlns="" xmlns:a14="http://schemas.microsoft.com/office/drawing/2010/main">
                 <a:solidFill>
                   <a:srgbClr val="FFFFFF"/>
                 </a:solidFill>
               </a14:hiddenFill>
             </a:ext>
             <a:ext uri="{91240B29-F687-4f45-9708-019B960494DF}">
-              <a14:hiddenLine xmlns:a14="http://schemas.microsoft.com/office/drawing/2010/main" xmlns="" w="9525">
+              <a14:hiddenLine xmlns="" xmlns:a14="http://schemas.microsoft.com/office/drawing/2010/main" w="9525">
                 <a:solidFill>
                   <a:srgbClr val="000000"/>
                 </a:solidFill>
@@ -4192,7 +4255,7 @@
               </a14:hiddenLine>
             </a:ext>
             <a:ext uri="{FAA26D3D-D897-4be2-8F04-BA451C77F1D7}">
-              <ma14:placeholderFlag xmlns:ma14="http://schemas.microsoft.com/office/mac/drawingml/2011/main" xmlns="" val="1"/>
+              <ma14:placeholderFlag xmlns="" xmlns:ma14="http://schemas.microsoft.com/office/mac/drawingml/2011/main" val="1"/>
             </a:ext>
           </a:extLst>
         </p:spPr>
@@ -4645,8 +4708,8 @@
           </a:p>
         </p:txBody>
       </p:sp>
-      <mc:AlternateContent xmlns:mc="http://schemas.openxmlformats.org/markup-compatibility/2006" xmlns:a14="http://schemas.microsoft.com/office/drawing/2010/main">
-        <mc:Choice Requires="a14">
+      <mc:AlternateContent xmlns:mc="http://schemas.openxmlformats.org/markup-compatibility/2006">
+        <mc:Choice xmlns:a14="http://schemas.microsoft.com/office/drawing/2010/main" Requires="a14">
           <p:sp>
             <p:nvSpPr>
               <p:cNvPr id="11" name="Content Placeholder 2"/>
@@ -4657,7 +4720,7 @@
             </p:nvSpPr>
             <p:spPr bwMode="auto">
               <a:xfrm>
-                <a:off x="138713" y="1748267"/>
+                <a:off x="-77311" y="1748267"/>
                 <a:ext cx="4094207" cy="4673319"/>
               </a:xfrm>
               <a:prstGeom prst="rect">
@@ -4686,7 +4749,7 @@
                   </a14:hiddenLine>
                 </a:ext>
                 <a:ext uri="{FAA26D3D-D897-4be2-8F04-BA451C77F1D7}">
-                  <ma14:placeholderFlag xmlns:ma14="http://schemas.microsoft.com/office/mac/drawingml/2011/main" xmlns="" val="1"/>
+                  <ma14:placeholderFlag xmlns="" xmlns:ma14="http://schemas.microsoft.com/office/mac/drawingml/2011/main" val="1"/>
                 </a:ext>
               </a:extLst>
             </p:spPr>
@@ -4923,6 +4986,11 @@
                   <a:rPr lang="en-ZA" kern="0" dirty="0"/>
                   <a:t>Spatial aliasing </a:t>
                 </a:r>
+                <a:r>
+                  <a:rPr lang="en-ZA" kern="0" dirty="0" smtClean="0"/>
+                  <a:t>[13]</a:t>
+                </a:r>
+                <a:endParaRPr lang="en-ZA" kern="0" dirty="0"/>
               </a:p>
               <a:p>
                 <a:pPr lvl="1"/>
@@ -5050,7 +5118,7 @@
             </p:txBody>
           </p:sp>
         </mc:Choice>
-        <mc:Fallback xmlns="">
+        <mc:Fallback>
           <p:sp>
             <p:nvSpPr>
               <p:cNvPr id="11" name="Content Placeholder 2"/>
@@ -5061,7 +5129,7 @@
             </p:nvSpPr>
             <p:spPr bwMode="auto">
               <a:xfrm>
-                <a:off x="138713" y="1748267"/>
+                <a:off x="-77311" y="1748267"/>
                 <a:ext cx="4094207" cy="4673319"/>
               </a:xfrm>
               <a:prstGeom prst="rect">
@@ -5070,7 +5138,7 @@
               <a:blipFill>
                 <a:blip r:embed="rId4"/>
                 <a:stretch>
-                  <a:fillRect t="-914" r="-4024"/>
+                  <a:fillRect t="-914" r="-4018"/>
                 </a:stretch>
               </a:blipFill>
               <a:ln>
@@ -5078,14 +5146,14 @@
               </a:ln>
               <a:extLst>
                 <a:ext uri="{909E8E84-426E-40dd-AFC4-6F175D3DCCD1}">
-                  <a14:hiddenFill xmlns:a14="http://schemas.microsoft.com/office/drawing/2010/main" xmlns="">
+                  <a14:hiddenFill xmlns="" xmlns:a14="http://schemas.microsoft.com/office/drawing/2010/main">
                     <a:solidFill>
                       <a:srgbClr val="FFFFFF"/>
                     </a:solidFill>
                   </a14:hiddenFill>
                 </a:ext>
                 <a:ext uri="{91240B29-F687-4f45-9708-019B960494DF}">
-                  <a14:hiddenLine xmlns:a14="http://schemas.microsoft.com/office/drawing/2010/main" xmlns="" w="9525">
+                  <a14:hiddenLine xmlns="" xmlns:a14="http://schemas.microsoft.com/office/drawing/2010/main" w="9525">
                     <a:solidFill>
                       <a:srgbClr val="000000"/>
                     </a:solidFill>
@@ -5095,7 +5163,7 @@
                   </a14:hiddenLine>
                 </a:ext>
                 <a:ext uri="{FAA26D3D-D897-4be2-8F04-BA451C77F1D7}">
-                  <ma14:placeholderFlag xmlns:ma14="http://schemas.microsoft.com/office/mac/drawingml/2011/main" xmlns:a14="http://schemas.microsoft.com/office/drawing/2010/main" xmlns="" val="1"/>
+                  <ma14:placeholderFlag xmlns="" xmlns:ma14="http://schemas.microsoft.com/office/mac/drawingml/2011/main" xmlns:a14="http://schemas.microsoft.com/office/drawing/2010/main" val="1"/>
                 </a:ext>
               </a:extLst>
             </p:spPr>
@@ -5240,14 +5308,14 @@
           </a:ln>
           <a:extLst>
             <a:ext uri="{909E8E84-426E-40dd-AFC4-6F175D3DCCD1}">
-              <a14:hiddenFill xmlns:a14="http://schemas.microsoft.com/office/drawing/2010/main" xmlns="">
+              <a14:hiddenFill xmlns="" xmlns:a14="http://schemas.microsoft.com/office/drawing/2010/main">
                 <a:solidFill>
                   <a:srgbClr val="FFFFFF"/>
                 </a:solidFill>
               </a14:hiddenFill>
             </a:ext>
             <a:ext uri="{91240B29-F687-4f45-9708-019B960494DF}">
-              <a14:hiddenLine xmlns:a14="http://schemas.microsoft.com/office/drawing/2010/main" xmlns="" w="9525">
+              <a14:hiddenLine xmlns="" xmlns:a14="http://schemas.microsoft.com/office/drawing/2010/main" w="9525">
                 <a:solidFill>
                   <a:srgbClr val="000000"/>
                 </a:solidFill>
@@ -5257,7 +5325,7 @@
               </a14:hiddenLine>
             </a:ext>
             <a:ext uri="{FAA26D3D-D897-4be2-8F04-BA451C77F1D7}">
-              <ma14:placeholderFlag xmlns:ma14="http://schemas.microsoft.com/office/mac/drawingml/2011/main" xmlns="" val="1"/>
+              <ma14:placeholderFlag xmlns="" xmlns:ma14="http://schemas.microsoft.com/office/mac/drawingml/2011/main" val="1"/>
             </a:ext>
           </a:extLst>
         </p:spPr>
@@ -5726,14 +5794,14 @@
           </a:ln>
           <a:extLst>
             <a:ext uri="{909E8E84-426E-40dd-AFC4-6F175D3DCCD1}">
-              <a14:hiddenFill xmlns:a14="http://schemas.microsoft.com/office/drawing/2010/main" xmlns="">
+              <a14:hiddenFill xmlns="" xmlns:a14="http://schemas.microsoft.com/office/drawing/2010/main">
                 <a:solidFill>
                   <a:srgbClr val="FFFFFF"/>
                 </a:solidFill>
               </a14:hiddenFill>
             </a:ext>
             <a:ext uri="{91240B29-F687-4f45-9708-019B960494DF}">
-              <a14:hiddenLine xmlns:a14="http://schemas.microsoft.com/office/drawing/2010/main" xmlns="" w="9525">
+              <a14:hiddenLine xmlns="" xmlns:a14="http://schemas.microsoft.com/office/drawing/2010/main" w="9525">
                 <a:solidFill>
                   <a:srgbClr val="000000"/>
                 </a:solidFill>
@@ -5743,7 +5811,7 @@
               </a14:hiddenLine>
             </a:ext>
             <a:ext uri="{FAA26D3D-D897-4be2-8F04-BA451C77F1D7}">
-              <ma14:placeholderFlag xmlns:ma14="http://schemas.microsoft.com/office/mac/drawingml/2011/main" xmlns="" val="1"/>
+              <ma14:placeholderFlag xmlns="" xmlns:ma14="http://schemas.microsoft.com/office/mac/drawingml/2011/main" val="1"/>
             </a:ext>
           </a:extLst>
         </p:spPr>
@@ -7407,54 +7475,614 @@
         </p:nvSpPr>
         <p:spPr>
           <a:xfrm>
-            <a:off x="342900" y="2209800"/>
-            <a:ext cx="9067800" cy="3352800"/>
+            <a:off x="56456" y="2209800"/>
+            <a:ext cx="9649072" cy="3352800"/>
           </a:xfrm>
         </p:spPr>
         <p:txBody>
           <a:bodyPr/>
           <a:lstStyle/>
           <a:p>
-            <a:pPr marL="190500" indent="0">
+            <a:pPr marL="190500" indent="0" algn="just">
               <a:buNone/>
             </a:pPr>
             <a:r>
-              <a:rPr lang="en-ZA" b="0" dirty="0"/>
-              <a:t>[1]	L. Tiete et al. “Detecting Laterality and Nasality in Speech 	with the Use of a Multi-Channel </a:t>
-            </a:r>
-            <a:r>
-              <a:rPr lang="de-DE" b="0" dirty="0" err="1"/>
-              <a:t>recorder</a:t>
-            </a:r>
-            <a:r>
-              <a:rPr lang="de-DE" b="0" dirty="0"/>
+              <a:rPr lang="en-ZA" sz="800" b="0" dirty="0" smtClean="0"/>
+              <a:t>  [</a:t>
+            </a:r>
+            <a:r>
+              <a:rPr lang="en-ZA" sz="800" b="0" dirty="0"/>
+              <a:t>1] </a:t>
+            </a:r>
+            <a:r>
+              <a:rPr lang="en-ZA" sz="800" b="0" dirty="0" smtClean="0"/>
+              <a:t> D</a:t>
+            </a:r>
+            <a:r>
+              <a:rPr lang="en-ZA" sz="800" b="0" dirty="0"/>
+              <a:t>. V. Anderson, R. W. Harris, and D. M. </a:t>
+            </a:r>
+            <a:r>
+              <a:rPr lang="en-ZA" sz="800" b="0" dirty="0" err="1"/>
+              <a:t>Chabries</a:t>
+            </a:r>
+            <a:r>
+              <a:rPr lang="en-ZA" sz="800" b="0" dirty="0"/>
+              <a:t>, “Evaluation </a:t>
+            </a:r>
+            <a:r>
+              <a:rPr lang="en-ZA" sz="800" b="0" dirty="0" smtClean="0"/>
+              <a:t>of a </a:t>
+            </a:r>
+            <a:r>
+              <a:rPr lang="en-ZA" sz="800" b="0" dirty="0"/>
+              <a:t>hearing compensation algorithm,” 1995 International Conference </a:t>
+            </a:r>
+            <a:r>
+              <a:rPr lang="en-ZA" sz="800" b="0" dirty="0" smtClean="0"/>
+              <a:t>on Acoustics</a:t>
+            </a:r>
+            <a:r>
+              <a:rPr lang="en-ZA" sz="800" b="0" dirty="0"/>
+              <a:t>, Speech, and Signal Processing, vol. 5, </a:t>
+            </a:r>
+            <a:r>
+              <a:rPr lang="en-ZA" sz="800" b="0" dirty="0" smtClean="0"/>
+              <a:t>pp. 3531– 	</a:t>
+            </a:r>
+            <a:endParaRPr lang="en-ZA" sz="800" b="0" dirty="0"/>
+          </a:p>
+          <a:p>
+            <a:pPr marL="190500" indent="0" algn="just">
+              <a:buNone/>
+            </a:pPr>
+            <a:r>
+              <a:rPr lang="en-ZA" sz="800" b="0" dirty="0" smtClean="0"/>
+              <a:t>  [</a:t>
+            </a:r>
+            <a:r>
+              <a:rPr lang="en-ZA" sz="800" b="0" dirty="0"/>
+              <a:t>2</a:t>
+            </a:r>
+            <a:r>
+              <a:rPr lang="en-ZA" sz="800" b="0" dirty="0" smtClean="0"/>
+              <a:t>]  </a:t>
+            </a:r>
+            <a:r>
+              <a:rPr lang="en-ZA" sz="800" b="0" dirty="0"/>
+              <a:t>Y.-T. </a:t>
+            </a:r>
+            <a:r>
+              <a:rPr lang="en-ZA" sz="800" b="0" dirty="0" err="1"/>
+              <a:t>Kuo</a:t>
+            </a:r>
+            <a:r>
+              <a:rPr lang="en-ZA" sz="800" b="0" dirty="0"/>
+              <a:t> et al., “Complexity-effective auditory compensation for </a:t>
+            </a:r>
+            <a:r>
+              <a:rPr lang="en-ZA" sz="800" b="0" dirty="0" err="1" smtClean="0"/>
+              <a:t>digitalhearing</a:t>
+            </a:r>
+            <a:r>
+              <a:rPr lang="en-ZA" sz="800" b="0" dirty="0" smtClean="0"/>
+              <a:t> </a:t>
+            </a:r>
+            <a:r>
+              <a:rPr lang="en-ZA" sz="800" b="0" dirty="0"/>
+              <a:t>aids,” 2008 IEEE International Symposium on Circuits </a:t>
+            </a:r>
+            <a:r>
+              <a:rPr lang="en-ZA" sz="800" b="0" dirty="0" smtClean="0"/>
+              <a:t>and Systems</a:t>
+            </a:r>
+            <a:r>
+              <a:rPr lang="en-ZA" sz="800" b="0" dirty="0"/>
+              <a:t>, pp. 1472–1475, 2008.</a:t>
+            </a:r>
+          </a:p>
+          <a:p>
+            <a:pPr marL="190500" indent="0" algn="just">
+              <a:buNone/>
+            </a:pPr>
+            <a:r>
+              <a:rPr lang="en-ZA" sz="800" b="0" dirty="0" smtClean="0"/>
+              <a:t>  [</a:t>
+            </a:r>
+            <a:r>
+              <a:rPr lang="en-ZA" sz="800" b="0" dirty="0"/>
+              <a:t>3] </a:t>
+            </a:r>
+            <a:r>
+              <a:rPr lang="en-ZA" sz="800" b="0" dirty="0" smtClean="0"/>
+              <a:t> </a:t>
+            </a:r>
+            <a:r>
+              <a:rPr lang="en-ZA" sz="800" b="0" dirty="0" err="1" smtClean="0"/>
+              <a:t>earinstitute</a:t>
+            </a:r>
+            <a:r>
+              <a:rPr lang="en-ZA" sz="800" b="0" dirty="0"/>
+              <a:t>. Range of hearing aid prices in south </a:t>
+            </a:r>
+            <a:r>
+              <a:rPr lang="en-ZA" sz="800" b="0" dirty="0" err="1"/>
+              <a:t>africa</a:t>
+            </a:r>
+            <a:r>
+              <a:rPr lang="en-ZA" sz="800" b="0" dirty="0"/>
+              <a:t>. </a:t>
+            </a:r>
+            <a:r>
+              <a:rPr lang="en-ZA" sz="800" b="0" dirty="0" smtClean="0"/>
+              <a:t>Last accessed</a:t>
+            </a:r>
+            <a:r>
+              <a:rPr lang="en-ZA" sz="800" b="0" dirty="0"/>
+              <a:t>: 31/08/2018. [Online]. Available: https://</a:t>
+            </a:r>
+            <a:r>
+              <a:rPr lang="en-ZA" sz="800" b="0" dirty="0" smtClean="0"/>
+              <a:t>www.earinstitute.co.za/range-of-hearing-aid-prices-in-south</a:t>
+            </a:r>
+            <a:r>
+              <a:rPr lang="en-ZA" sz="800" b="0" dirty="0"/>
+              <a:t>/-africa/</a:t>
+            </a:r>
+          </a:p>
+          <a:p>
+            <a:pPr marL="190500" indent="0" algn="just">
+              <a:buNone/>
+            </a:pPr>
+            <a:r>
+              <a:rPr lang="en-ZA" sz="800" b="0" dirty="0" smtClean="0"/>
+              <a:t>  [</a:t>
+            </a:r>
+            <a:r>
+              <a:rPr lang="en-ZA" sz="800" b="0" dirty="0"/>
+              <a:t>4] </a:t>
+            </a:r>
+            <a:r>
+              <a:rPr lang="en-ZA" sz="800" b="0" dirty="0" smtClean="0"/>
+              <a:t> J</a:t>
+            </a:r>
+            <a:r>
+              <a:rPr lang="en-ZA" sz="800" b="0" dirty="0"/>
+              <a:t>. T. George and E. Elias, “A 16-band reconfigurable hearing </a:t>
+            </a:r>
+            <a:r>
+              <a:rPr lang="en-ZA" sz="800" b="0" dirty="0" smtClean="0"/>
+              <a:t>aid using </a:t>
+            </a:r>
+            <a:r>
+              <a:rPr lang="en-ZA" sz="800" b="0" dirty="0"/>
+              <a:t>variable bandwidth filters,” Global Journal of Researches </a:t>
+            </a:r>
+            <a:r>
+              <a:rPr lang="en-ZA" sz="800" b="0" dirty="0" smtClean="0"/>
+              <a:t>in Engineering</a:t>
+            </a:r>
+            <a:r>
+              <a:rPr lang="en-ZA" sz="800" b="0" dirty="0"/>
+              <a:t>: Electrical and Electronics Engineering, vol. 14, 2014.</a:t>
+            </a:r>
+          </a:p>
+          <a:p>
+            <a:pPr marL="190500" indent="0" algn="just">
+              <a:buNone/>
+            </a:pPr>
+            <a:r>
+              <a:rPr lang="en-ZA" sz="800" b="0" dirty="0" smtClean="0"/>
+              <a:t>  [</a:t>
+            </a:r>
+            <a:r>
+              <a:rPr lang="en-ZA" sz="800" b="0" dirty="0"/>
+              <a:t>5</a:t>
+            </a:r>
+            <a:r>
+              <a:rPr lang="en-ZA" sz="800" b="0" dirty="0" smtClean="0"/>
+              <a:t>]  </a:t>
+            </a:r>
+            <a:r>
+              <a:rPr lang="en-ZA" sz="800" b="0" dirty="0"/>
+              <a:t>N. </a:t>
+            </a:r>
+            <a:r>
+              <a:rPr lang="en-ZA" sz="800" b="0" dirty="0" err="1"/>
+              <a:t>Subbulakshmi</a:t>
+            </a:r>
+            <a:r>
+              <a:rPr lang="en-ZA" sz="800" b="0" dirty="0"/>
+              <a:t> and R. </a:t>
+            </a:r>
+            <a:r>
+              <a:rPr lang="en-ZA" sz="800" b="0" dirty="0" err="1"/>
+              <a:t>Manimegalai</a:t>
+            </a:r>
+            <a:r>
+              <a:rPr lang="en-ZA" sz="800" b="0" dirty="0"/>
+              <a:t>, “A survey of filter bank </a:t>
+            </a:r>
+            <a:r>
+              <a:rPr lang="en-ZA" sz="800" b="0" dirty="0" smtClean="0"/>
+              <a:t>algorithms for </a:t>
+            </a:r>
+            <a:r>
+              <a:rPr lang="en-ZA" sz="800" b="0" dirty="0"/>
+              <a:t>biomedical applications,” 2014 International Conference </a:t>
+            </a:r>
+            <a:r>
+              <a:rPr lang="en-ZA" sz="800" b="0" dirty="0" smtClean="0"/>
+              <a:t>on Computer </a:t>
+            </a:r>
+            <a:r>
+              <a:rPr lang="en-ZA" sz="800" b="0" dirty="0"/>
+              <a:t>Communication and Informatics, 2014.</a:t>
+            </a:r>
+          </a:p>
+          <a:p>
+            <a:pPr marL="190500" indent="0" algn="just">
+              <a:buNone/>
+            </a:pPr>
+            <a:r>
+              <a:rPr lang="en-ZA" sz="800" b="0" dirty="0" smtClean="0"/>
+              <a:t>  [</a:t>
+            </a:r>
+            <a:r>
+              <a:rPr lang="en-ZA" sz="800" b="0" dirty="0"/>
+              <a:t>6] </a:t>
+            </a:r>
+            <a:r>
+              <a:rPr lang="en-ZA" sz="800" b="0" dirty="0" smtClean="0"/>
+              <a:t> C</a:t>
+            </a:r>
+            <a:r>
+              <a:rPr lang="en-ZA" sz="800" b="0" dirty="0"/>
+              <a:t>. Yang, C. Liu, and S. </a:t>
+            </a:r>
+            <a:r>
+              <a:rPr lang="en-ZA" sz="800" b="0" dirty="0" err="1"/>
+              <a:t>Jou</a:t>
+            </a:r>
+            <a:r>
+              <a:rPr lang="en-ZA" sz="800" b="0" dirty="0"/>
+              <a:t>, “An efficient 18-band quasi-</a:t>
+            </a:r>
+            <a:r>
+              <a:rPr lang="en-ZA" sz="800" b="0" dirty="0" err="1"/>
+              <a:t>ansi</a:t>
+            </a:r>
+            <a:r>
+              <a:rPr lang="en-ZA" sz="800" b="0" dirty="0"/>
+              <a:t> </a:t>
+            </a:r>
+            <a:r>
+              <a:rPr lang="en-ZA" sz="800" b="0" dirty="0" smtClean="0"/>
+              <a:t>1/3-octave </a:t>
+            </a:r>
+            <a:r>
+              <a:rPr lang="en-ZA" sz="800" b="0" dirty="0"/>
+              <a:t>filter bank using re-sampling method for digital hearing aids,” </a:t>
+            </a:r>
+            <a:r>
+              <a:rPr lang="en-ZA" sz="800" b="0" dirty="0" smtClean="0"/>
+              <a:t>in 2014 </a:t>
+            </a:r>
+            <a:r>
+              <a:rPr lang="en-ZA" sz="800" b="0" dirty="0"/>
+              <a:t>IEEE International Conference on Acoustics, Speech and 	</a:t>
+            </a:r>
+            <a:endParaRPr lang="en-ZA" sz="800" b="0" dirty="0" smtClean="0"/>
+          </a:p>
+          <a:p>
+            <a:pPr marL="190500" indent="0" algn="just">
+              <a:buNone/>
+            </a:pPr>
+            <a:r>
+              <a:rPr lang="en-ZA" sz="800" b="0" dirty="0" smtClean="0"/>
+              <a:t>  [7]  A. Sebastian and T. G. James, “Digital filter bank for hearing aid application using </a:t>
+            </a:r>
+            <a:r>
+              <a:rPr lang="en-ZA" sz="800" b="0" dirty="0" err="1" smtClean="0"/>
+              <a:t>frm</a:t>
+            </a:r>
+            <a:r>
+              <a:rPr lang="en-ZA" sz="800" b="0" dirty="0" smtClean="0"/>
+              <a:t> technique,” 2015 IEEE International Conference on Signal Processing, Informatics, Communication and Energy 	</a:t>
+            </a:r>
+          </a:p>
+          <a:p>
+            <a:pPr marL="190500" indent="0" algn="just">
+              <a:buNone/>
+            </a:pPr>
+            <a:r>
+              <a:rPr lang="en-ZA" sz="800" b="0" dirty="0" smtClean="0"/>
+              <a:t>  [</a:t>
+            </a:r>
+            <a:r>
+              <a:rPr lang="en-ZA" sz="800" b="0" dirty="0"/>
+              <a:t>8] </a:t>
+            </a:r>
+            <a:r>
+              <a:rPr lang="en-ZA" sz="800" b="0" dirty="0" smtClean="0"/>
+              <a:t> Y</a:t>
+            </a:r>
+            <a:r>
+              <a:rPr lang="en-ZA" sz="800" b="0" dirty="0"/>
+              <a:t>.-T. Chang et al., “Complexity-effective auditory compensation with </a:t>
+            </a:r>
+            <a:r>
+              <a:rPr lang="en-ZA" sz="800" b="0" dirty="0" smtClean="0"/>
+              <a:t>a controllable </a:t>
+            </a:r>
+            <a:r>
+              <a:rPr lang="en-ZA" sz="800" b="0" dirty="0"/>
+              <a:t>filter for digital hearing aids,” 17th Asia and South </a:t>
+            </a:r>
+            <a:r>
+              <a:rPr lang="en-ZA" sz="800" b="0" dirty="0" smtClean="0"/>
+              <a:t>Pacific Design </a:t>
+            </a:r>
+            <a:r>
+              <a:rPr lang="en-ZA" sz="800" b="0" dirty="0"/>
+              <a:t>Automation Conference, pp. 557–558, 2012.</a:t>
+            </a:r>
+          </a:p>
+          <a:p>
+            <a:pPr marL="190500" indent="0" algn="just">
+              <a:buNone/>
+            </a:pPr>
+            <a:r>
+              <a:rPr lang="en-ZA" sz="800" b="0" dirty="0" smtClean="0"/>
+              <a:t>  [</a:t>
+            </a:r>
+            <a:r>
+              <a:rPr lang="en-ZA" sz="800" b="0" dirty="0"/>
+              <a:t>9] </a:t>
+            </a:r>
+            <a:r>
+              <a:rPr lang="en-ZA" sz="800" b="0" dirty="0" smtClean="0"/>
+              <a:t> T</a:t>
+            </a:r>
+            <a:r>
+              <a:rPr lang="en-ZA" sz="800" b="0" dirty="0"/>
+              <a:t>. Ricketts, “Directional hearing aids,” Trends in Amplification, vol. </a:t>
+            </a:r>
+            <a:r>
+              <a:rPr lang="en-ZA" sz="800" b="0" dirty="0" smtClean="0"/>
+              <a:t>5, no</a:t>
+            </a:r>
+            <a:r>
+              <a:rPr lang="en-ZA" sz="800" b="0" dirty="0"/>
+              <a:t>. 4, pp. 139–176, 2001.</a:t>
+            </a:r>
+          </a:p>
+          <a:p>
+            <a:pPr marL="190500" indent="0" algn="just">
+              <a:buNone/>
+            </a:pPr>
+            <a:r>
+              <a:rPr lang="en-ZA" sz="800" b="0" dirty="0"/>
+              <a:t>[10</a:t>
+            </a:r>
+            <a:r>
+              <a:rPr lang="en-ZA" sz="800" b="0" dirty="0" smtClean="0"/>
+              <a:t>]  </a:t>
+            </a:r>
+            <a:r>
+              <a:rPr lang="en-ZA" sz="800" b="0" dirty="0"/>
+              <a:t>P. </a:t>
+            </a:r>
+            <a:r>
+              <a:rPr lang="en-ZA" sz="800" b="0" dirty="0" err="1"/>
+              <a:t>Corbishley</a:t>
+            </a:r>
+            <a:r>
+              <a:rPr lang="en-ZA" sz="800" b="0" dirty="0"/>
+              <a:t> et al., “An ultra-low power analogue directionality </a:t>
+            </a:r>
+            <a:r>
+              <a:rPr lang="en-ZA" sz="800" b="0" dirty="0" smtClean="0"/>
+              <a:t>system for </a:t>
+            </a:r>
+            <a:r>
+              <a:rPr lang="en-ZA" sz="800" b="0" dirty="0"/>
+              <a:t>digital hearing aids,” 2004 IEEE International Symposium </a:t>
+            </a:r>
+            <a:r>
+              <a:rPr lang="en-ZA" sz="800" b="0" dirty="0" smtClean="0"/>
+              <a:t>on Circuits </a:t>
+            </a:r>
+            <a:r>
+              <a:rPr lang="en-ZA" sz="800" b="0" dirty="0"/>
+              <a:t>and Systems, pp. 233–236, 2004.</a:t>
+            </a:r>
+          </a:p>
+          <a:p>
+            <a:pPr marL="190500" indent="0" algn="just">
+              <a:buNone/>
+            </a:pPr>
+            <a:r>
+              <a:rPr lang="en-ZA" sz="800" b="0" dirty="0"/>
+              <a:t>[11] </a:t>
+            </a:r>
+            <a:r>
+              <a:rPr lang="en-ZA" sz="800" b="0" dirty="0" smtClean="0"/>
+              <a:t> J</a:t>
+            </a:r>
+            <a:r>
+              <a:rPr lang="en-ZA" sz="800" b="0" dirty="0"/>
+              <a:t>. Tiete et al., “</a:t>
+            </a:r>
+            <a:r>
+              <a:rPr lang="en-ZA" sz="800" b="0" dirty="0" err="1"/>
+              <a:t>Soundcompass</a:t>
+            </a:r>
+            <a:r>
+              <a:rPr lang="en-ZA" sz="800" b="0" dirty="0"/>
+              <a:t>: A distributed mems microphone </a:t>
+            </a:r>
+            <a:r>
+              <a:rPr lang="en-ZA" sz="800" b="0" dirty="0" err="1" smtClean="0"/>
+              <a:t>arraybased</a:t>
+            </a:r>
+            <a:r>
+              <a:rPr lang="en-ZA" sz="800" b="0" dirty="0" smtClean="0"/>
+              <a:t> sensor </a:t>
+            </a:r>
+            <a:r>
+              <a:rPr lang="en-ZA" sz="800" b="0" dirty="0"/>
+              <a:t>for sound source localization,” </a:t>
+            </a:r>
+            <a:r>
+              <a:rPr lang="en-ZA" sz="800" b="0" dirty="0" smtClean="0"/>
+              <a:t>Sensors (Basel</a:t>
+            </a:r>
+            <a:r>
+              <a:rPr lang="en-ZA" sz="800" b="0" dirty="0"/>
+              <a:t>, Switzerland</a:t>
+            </a:r>
+            <a:r>
+              <a:rPr lang="en-ZA" sz="800" b="0" dirty="0" smtClean="0"/>
+              <a:t>), vol</a:t>
+            </a:r>
+            <a:r>
+              <a:rPr lang="en-ZA" sz="800" b="0" dirty="0"/>
+              <a:t>. 14, pp. 1918–49, 02 2014.</a:t>
+            </a:r>
+          </a:p>
+          <a:p>
+            <a:pPr marL="190500" indent="0" algn="just">
+              <a:buNone/>
+            </a:pPr>
+            <a:r>
+              <a:rPr lang="en-ZA" sz="800" b="0" dirty="0"/>
+              <a:t>[12</a:t>
+            </a:r>
+            <a:r>
+              <a:rPr lang="en-ZA" sz="800" b="0" dirty="0" smtClean="0"/>
+              <a:t>]  </a:t>
+            </a:r>
+            <a:r>
+              <a:rPr lang="en-ZA" sz="800" b="0" dirty="0"/>
+              <a:t>S. L. Bell, “Filtering to match hearing aid insertion gain to individual </a:t>
+            </a:r>
+            <a:r>
+              <a:rPr lang="en-ZA" sz="800" b="0" dirty="0" smtClean="0"/>
+              <a:t>ear acoustics</a:t>
+            </a:r>
+            <a:r>
+              <a:rPr lang="en-ZA" sz="800" b="0" dirty="0"/>
+              <a:t>.” Trends in amplification, vol. 13, no. 3, </a:t>
+            </a:r>
+            <a:r>
+              <a:rPr lang="en-ZA" sz="800" b="0" dirty="0" smtClean="0"/>
+              <a:t>pp. 181–189</a:t>
+            </a:r>
+            <a:r>
+              <a:rPr lang="en-ZA" sz="800" b="0" dirty="0"/>
+              <a:t>, 2009.</a:t>
+            </a:r>
+          </a:p>
+          <a:p>
+            <a:pPr marL="190500" indent="0" algn="just">
+              <a:buNone/>
+            </a:pPr>
+            <a:r>
+              <a:rPr lang="en-ZA" sz="800" b="0" dirty="0"/>
+              <a:t>[13] </a:t>
+            </a:r>
+            <a:r>
+              <a:rPr lang="en-ZA" sz="800" b="0" dirty="0" smtClean="0"/>
+              <a:t> J</a:t>
+            </a:r>
+            <a:r>
+              <a:rPr lang="en-ZA" sz="800" b="0" dirty="0"/>
+              <a:t>. Carroll et al., “Fundamental frequency is critical to speech </a:t>
+            </a:r>
+            <a:r>
+              <a:rPr lang="en-ZA" sz="800" b="0" dirty="0" smtClean="0"/>
+              <a:t>perception in </a:t>
+            </a:r>
+            <a:r>
+              <a:rPr lang="en-ZA" sz="800" b="0" dirty="0"/>
+              <a:t>noise in combined acoustic and electric hearing</a:t>
+            </a:r>
+            <a:r>
+              <a:rPr lang="en-ZA" sz="800" b="0" dirty="0" smtClean="0"/>
+              <a:t>,” The </a:t>
+            </a:r>
+            <a:r>
+              <a:rPr lang="en-ZA" sz="800" b="0" dirty="0"/>
+              <a:t>Journal of </a:t>
+            </a:r>
+            <a:r>
+              <a:rPr lang="en-ZA" sz="800" b="0" dirty="0" smtClean="0"/>
+              <a:t>the Acoustical </a:t>
+            </a:r>
+            <a:r>
+              <a:rPr lang="en-ZA" sz="800" b="0" dirty="0"/>
+              <a:t>of America, 2011.</a:t>
+            </a:r>
+          </a:p>
+          <a:p>
+            <a:pPr marL="190500" indent="0" algn="just">
+              <a:buNone/>
+            </a:pPr>
+            <a:r>
+              <a:rPr lang="en-ZA" sz="800" b="0" dirty="0"/>
+              <a:t>[14] </a:t>
+            </a:r>
+            <a:r>
+              <a:rPr lang="en-ZA" sz="800" b="0" dirty="0" smtClean="0"/>
+              <a:t> V</a:t>
+            </a:r>
+            <a:r>
+              <a:rPr lang="en-ZA" sz="800" b="0" dirty="0"/>
+              <a:t>. </a:t>
+            </a:r>
+            <a:r>
+              <a:rPr lang="en-ZA" sz="800" b="0" dirty="0" err="1"/>
+              <a:t>Berisha</a:t>
+            </a:r>
+            <a:r>
+              <a:rPr lang="en-ZA" sz="800" b="0" dirty="0"/>
+              <a:t> et al., Bandwidth Extension of Speech Using </a:t>
+            </a:r>
+            <a:r>
+              <a:rPr lang="en-ZA" sz="800" b="0" dirty="0" smtClean="0"/>
+              <a:t>Perceptual Criteria</a:t>
+            </a:r>
+            <a:r>
+              <a:rPr lang="en-ZA" sz="800" b="0" dirty="0"/>
+              <a:t>. Morgan &amp; Claypool Publishers, 2013.</a:t>
+            </a:r>
+          </a:p>
+          <a:p>
+            <a:pPr marL="190500" indent="0" algn="just">
+              <a:buNone/>
+            </a:pPr>
+            <a:r>
+              <a:rPr lang="en-ZA" sz="800" b="0" dirty="0"/>
+              <a:t>[15] </a:t>
+            </a:r>
+            <a:r>
+              <a:rPr lang="en-ZA" sz="800" b="0" dirty="0" smtClean="0"/>
+              <a:t> J</a:t>
+            </a:r>
+            <a:r>
+              <a:rPr lang="en-ZA" sz="800" b="0" dirty="0"/>
+              <a:t>. D. Kraus, Electromagnetics, 3rd ed. McGraw-Hill Book </a:t>
+            </a:r>
+            <a:r>
+              <a:rPr lang="en-ZA" sz="800" b="0" dirty="0" smtClean="0"/>
+              <a:t>Company, 1985</a:t>
+            </a:r>
+            <a:r>
+              <a:rPr lang="en-ZA" sz="800" b="0" dirty="0"/>
               <a:t>.</a:t>
             </a:r>
-            <a:r>
-              <a:rPr lang="en-ZA" b="0" dirty="0"/>
-              <a:t>” </a:t>
-            </a:r>
-            <a:r>
-              <a:rPr lang="de-DE" b="0" i="1" dirty="0"/>
-              <a:t>Sensors (Basel, 	</a:t>
-            </a:r>
-            <a:r>
-              <a:rPr lang="de-DE" b="0" i="1" dirty="0" err="1"/>
-              <a:t>Switzerland</a:t>
-            </a:r>
-            <a:r>
-              <a:rPr lang="de-DE" b="0" i="1" dirty="0"/>
-              <a:t>)</a:t>
-            </a:r>
-            <a:r>
-              <a:rPr lang="de-DE" b="0" dirty="0"/>
-              <a:t>, vol. 14, </a:t>
-            </a:r>
-            <a:r>
-              <a:rPr lang="en-ZA" b="0" dirty="0"/>
-              <a:t>pp. 1918-1949, 02 2014.</a:t>
-            </a:r>
-            <a:endParaRPr lang="en-ZA" dirty="0"/>
+            <a:endParaRPr lang="en-ZA" sz="1400" b="0" dirty="0"/>
           </a:p>
         </p:txBody>
       </p:sp>
@@ -7478,6 +8106,120 @@
               <a:t>17</a:t>
             </a:fld>
             <a:endParaRPr lang="en-US" dirty="0"/>
+          </a:p>
+        </p:txBody>
+      </p:sp>
+      <p:sp>
+        <p:nvSpPr>
+          <p:cNvPr id="6" name="TextBox 5"/>
+          <p:cNvSpPr txBox="1"/>
+          <p:nvPr/>
+        </p:nvSpPr>
+        <p:spPr>
+          <a:xfrm>
+            <a:off x="416496" y="2360737"/>
+            <a:ext cx="819455" cy="215444"/>
+          </a:xfrm>
+          <a:prstGeom prst="rect">
+            <a:avLst/>
+          </a:prstGeom>
+          <a:noFill/>
+        </p:spPr>
+        <p:txBody>
+          <a:bodyPr wrap="none" rtlCol="0">
+            <a:spAutoFit/>
+          </a:bodyPr>
+          <a:lstStyle/>
+          <a:p>
+            <a:r>
+              <a:rPr lang="en-ZA" sz="800" dirty="0" smtClean="0"/>
+              <a:t>   3533</a:t>
+            </a:r>
+            <a:r>
+              <a:rPr lang="en-ZA" sz="800" dirty="0"/>
+              <a:t>, </a:t>
+            </a:r>
+            <a:r>
+              <a:rPr lang="en-ZA" sz="800" dirty="0" smtClean="0"/>
+              <a:t>1995.</a:t>
+            </a:r>
+            <a:endParaRPr lang="en-ZA" sz="800" dirty="0"/>
+          </a:p>
+        </p:txBody>
+      </p:sp>
+      <p:sp>
+        <p:nvSpPr>
+          <p:cNvPr id="7" name="TextBox 6"/>
+          <p:cNvSpPr txBox="1"/>
+          <p:nvPr/>
+        </p:nvSpPr>
+        <p:spPr>
+          <a:xfrm>
+            <a:off x="235268" y="3501008"/>
+            <a:ext cx="2802370" cy="215444"/>
+          </a:xfrm>
+          <a:prstGeom prst="rect">
+            <a:avLst/>
+          </a:prstGeom>
+          <a:noFill/>
+        </p:spPr>
+        <p:txBody>
+          <a:bodyPr wrap="none" rtlCol="0">
+            <a:spAutoFit/>
+          </a:bodyPr>
+          <a:lstStyle/>
+          <a:p>
+            <a:pPr marL="190500" indent="0" algn="just">
+              <a:buNone/>
+            </a:pPr>
+            <a:r>
+              <a:rPr lang="en-ZA" sz="800" dirty="0" smtClean="0"/>
+              <a:t>  Signal </a:t>
+            </a:r>
+            <a:r>
+              <a:rPr lang="en-ZA" sz="800" dirty="0"/>
+              <a:t>Processing (ICASSP), 2014, pp. 2639–2643.</a:t>
+            </a:r>
+            <a:endParaRPr lang="en-ZA" sz="800" dirty="0"/>
+          </a:p>
+        </p:txBody>
+      </p:sp>
+      <p:sp>
+        <p:nvSpPr>
+          <p:cNvPr id="8" name="TextBox 7"/>
+          <p:cNvSpPr txBox="1"/>
+          <p:nvPr/>
+        </p:nvSpPr>
+        <p:spPr>
+          <a:xfrm>
+            <a:off x="263078" y="3844456"/>
+            <a:ext cx="1521570" cy="215444"/>
+          </a:xfrm>
+          <a:prstGeom prst="rect">
+            <a:avLst/>
+          </a:prstGeom>
+          <a:noFill/>
+        </p:spPr>
+        <p:txBody>
+          <a:bodyPr wrap="none" rtlCol="0">
+            <a:spAutoFit/>
+          </a:bodyPr>
+          <a:lstStyle/>
+          <a:p>
+            <a:pPr marL="190500" algn="just"/>
+            <a:r>
+              <a:rPr lang="en-ZA" sz="800" dirty="0" smtClean="0"/>
+              <a:t> Systems</a:t>
+            </a:r>
+            <a:r>
+              <a:rPr lang="en-ZA" sz="800" dirty="0"/>
+              <a:t>, pp. 1–5, </a:t>
+            </a:r>
+            <a:r>
+              <a:rPr lang="en-ZA" sz="800" dirty="0" smtClean="0"/>
+              <a:t>2015.</a:t>
+            </a:r>
+            <a:endParaRPr lang="en-ZA" sz="800" dirty="0"/>
           </a:p>
         </p:txBody>
       </p:sp>
@@ -7491,6 +8233,13 @@
   <p:clrMapOvr>
     <a:masterClrMapping/>
   </p:clrMapOvr>
+  <p:timing>
+    <p:tnLst>
+      <p:par>
+        <p:cTn id="1" dur="indefinite" restart="never" nodeType="tmRoot"/>
+      </p:par>
+    </p:tnLst>
+  </p:timing>
 </p:sld>
 </file>
 
@@ -7588,6 +8337,13 @@
   <p:clrMapOvr>
     <a:masterClrMapping/>
   </p:clrMapOvr>
+  <p:timing>
+    <p:tnLst>
+      <p:par>
+        <p:cTn id="1" dur="indefinite" restart="never" nodeType="tmRoot"/>
+      </p:par>
+    </p:tnLst>
+  </p:timing>
 </p:sld>
 </file>
 
@@ -7664,14 +8420,20 @@
           <a:p>
             <a:r>
               <a:rPr lang="en-US" dirty="0"/>
-              <a:t>Affects 5% of the global population</a:t>
-            </a:r>
-          </a:p>
-          <a:p>
-            <a:r>
-              <a:rPr lang="en-US" dirty="0"/>
-              <a:t>Causes</a:t>
-            </a:r>
+              <a:t>Affects 5% of the global </a:t>
+            </a:r>
+            <a:r>
+              <a:rPr lang="en-US" dirty="0" smtClean="0"/>
+              <a:t>population [1, 2]</a:t>
+            </a:r>
+            <a:endParaRPr lang="en-US" dirty="0"/>
+          </a:p>
+          <a:p>
+            <a:r>
+              <a:rPr lang="en-US" dirty="0" smtClean="0"/>
+              <a:t>Causes [1, 2]</a:t>
+            </a:r>
+            <a:endParaRPr lang="en-US" dirty="0"/>
           </a:p>
           <a:p>
             <a:pPr lvl="1"/>
@@ -7697,8 +8459,13 @@
           <a:p>
             <a:r>
               <a:rPr lang="en-US" dirty="0"/>
-              <a:t>Decreased quality of life</a:t>
-            </a:r>
+              <a:t>Decreased quality of </a:t>
+            </a:r>
+            <a:r>
+              <a:rPr lang="en-US" dirty="0" smtClean="0"/>
+              <a:t>life [2]</a:t>
+            </a:r>
+            <a:endParaRPr lang="en-US" dirty="0"/>
           </a:p>
           <a:p>
             <a:pPr lvl="1"/>
@@ -7833,6 +8600,11 @@
               <a:rPr lang="en-US" dirty="0"/>
               <a:t>Compensatory amplification </a:t>
             </a:r>
+            <a:r>
+              <a:rPr lang="en-US" dirty="0" smtClean="0"/>
+              <a:t>[4 - 6]</a:t>
+            </a:r>
+            <a:endParaRPr lang="en-US" dirty="0"/>
           </a:p>
           <a:p>
             <a:pPr lvl="1"/>
@@ -7851,9 +8623,10 @@
           </a:p>
           <a:p>
             <a:r>
-              <a:rPr lang="en-US" dirty="0"/>
-              <a:t>Directionality</a:t>
-            </a:r>
+              <a:rPr lang="en-US" dirty="0" smtClean="0"/>
+              <a:t>Directionality [9 - 11]</a:t>
+            </a:r>
+            <a:endParaRPr lang="en-US" dirty="0"/>
           </a:p>
           <a:p>
             <a:pPr lvl="1"/>
@@ -7872,8 +8645,13 @@
           <a:p>
             <a:r>
               <a:rPr lang="en-US" dirty="0"/>
-              <a:t>Cost of commercial hearing aid ~2000$</a:t>
-            </a:r>
+              <a:t>Cost of commercial hearing aid ~2000</a:t>
+            </a:r>
+            <a:r>
+              <a:rPr lang="en-US" dirty="0" smtClean="0"/>
+              <a:t>$ [3]</a:t>
+            </a:r>
+            <a:endParaRPr lang="en-US" dirty="0"/>
           </a:p>
           <a:p>
             <a:endParaRPr lang="en-US" dirty="0"/>
@@ -8996,8 +9774,13 @@
           <a:p>
             <a:r>
               <a:rPr lang="en-US" dirty="0"/>
-              <a:t>Audiogram matching: requires amplification of individual frequency bands</a:t>
-            </a:r>
+              <a:t>Audiogram matching: requires amplification of individual frequency </a:t>
+            </a:r>
+            <a:r>
+              <a:rPr lang="en-US" dirty="0" smtClean="0"/>
+              <a:t>bands [12]</a:t>
+            </a:r>
+            <a:endParaRPr lang="en-US" dirty="0"/>
           </a:p>
         </p:txBody>
       </p:sp>
@@ -9175,8 +9958,13 @@
           <a:p>
             <a:r>
               <a:rPr lang="en-ZA" dirty="0"/>
-              <a:t>Delay-and-sum beamforming</a:t>
-            </a:r>
+              <a:t>Delay-and-sum </a:t>
+            </a:r>
+            <a:r>
+              <a:rPr lang="en-ZA" dirty="0" smtClean="0"/>
+              <a:t>beamforming [13 - 15]</a:t>
+            </a:r>
+            <a:endParaRPr lang="en-ZA" dirty="0"/>
           </a:p>
           <a:p>
             <a:endParaRPr lang="en-ZA" dirty="0"/>
@@ -9465,7 +10253,7 @@
           <a:ln/>
           <a:extLst>
             <a:ext uri="{91240B29-F687-4f45-9708-019B960494DF}">
-              <a14:hiddenLine xmlns:a14="http://schemas.microsoft.com/office/drawing/2010/main" xmlns="" w="9525" cap="flat" cmpd="sng" algn="ctr">
+              <a14:hiddenLine xmlns="" xmlns:a14="http://schemas.microsoft.com/office/drawing/2010/main" w="9525" cap="flat" cmpd="sng" algn="ctr">
                 <a:solidFill>
                   <a:schemeClr val="tx1"/>
                 </a:solidFill>
@@ -9476,7 +10264,7 @@
               </a14:hiddenLine>
             </a:ext>
             <a:ext uri="{AF507438-7753-43e0-B8FC-AC1667EBCBE1}">
-              <a14:hiddenEffects xmlns:a14="http://schemas.microsoft.com/office/drawing/2010/main" xmlns="">
+              <a14:hiddenEffects xmlns="" xmlns:a14="http://schemas.microsoft.com/office/drawing/2010/main">
                 <a:effectLst>
                   <a:outerShdw dist="35921" dir="2700000" algn="ctr" rotWithShape="0">
                     <a:schemeClr val="bg2"/>
@@ -9758,7 +10546,7 @@
         <a:effectLst/>
         <a:extLst>
           <a:ext uri="{91240B29-F687-4f45-9708-019B960494DF}">
-            <a14:hiddenLine xmlns:a14="http://schemas.microsoft.com/office/drawing/2010/main" xmlns="" w="9525" cap="flat" cmpd="sng" algn="ctr">
+            <a14:hiddenLine xmlns="" xmlns:a14="http://schemas.microsoft.com/office/drawing/2010/main" w="9525" cap="flat" cmpd="sng" algn="ctr">
               <a:solidFill>
                 <a:schemeClr val="tx1"/>
               </a:solidFill>
@@ -9769,7 +10557,7 @@
             </a14:hiddenLine>
           </a:ext>
           <a:ext uri="{AF507438-7753-43e0-B8FC-AC1667EBCBE1}">
-            <a14:hiddenEffects xmlns:a14="http://schemas.microsoft.com/office/drawing/2010/main" xmlns="">
+            <a14:hiddenEffects xmlns="" xmlns:a14="http://schemas.microsoft.com/office/drawing/2010/main">
               <a:effectLst>
                 <a:outerShdw dist="35921" dir="2700000" algn="ctr" rotWithShape="0">
                   <a:schemeClr val="bg2"/>
@@ -9836,7 +10624,7 @@
         <a:effectLst/>
         <a:extLst>
           <a:ext uri="{91240B29-F687-4f45-9708-019B960494DF}">
-            <a14:hiddenLine xmlns:a14="http://schemas.microsoft.com/office/drawing/2010/main" xmlns="" w="9525" cap="flat" cmpd="sng" algn="ctr">
+            <a14:hiddenLine xmlns="" xmlns:a14="http://schemas.microsoft.com/office/drawing/2010/main" w="9525" cap="flat" cmpd="sng" algn="ctr">
               <a:solidFill>
                 <a:schemeClr val="tx1"/>
               </a:solidFill>
@@ -9847,7 +10635,7 @@
             </a14:hiddenLine>
           </a:ext>
           <a:ext uri="{AF507438-7753-43e0-B8FC-AC1667EBCBE1}">
-            <a14:hiddenEffects xmlns:a14="http://schemas.microsoft.com/office/drawing/2010/main" xmlns="">
+            <a14:hiddenEffects xmlns="" xmlns:a14="http://schemas.microsoft.com/office/drawing/2010/main">
               <a:effectLst>
                 <a:outerShdw dist="35921" dir="2700000" algn="ctr" rotWithShape="0">
                   <a:schemeClr val="bg2"/>

--- a/Presentation/Presentation.pptx
+++ b/Presentation/Presentation.pptx
@@ -248,7 +248,7 @@
           <a:p>
             <a:fld id="{3FA6FDA4-907F-C840-8573-33F4849B33D4}" type="datetimeFigureOut">
               <a:rPr lang="en-US" smtClean="0"/>
-              <a:t>9/18/2019</a:t>
+              <a:t>9/18/19</a:t>
             </a:fld>
             <a:endParaRPr lang="en-US"/>
           </a:p>
@@ -414,7 +414,7 @@
           <a:p>
             <a:fld id="{290492DD-1613-8B48-9182-1ECEE9190ABB}" type="datetimeFigureOut">
               <a:rPr lang="en-US" smtClean="0"/>
-              <a:t>9/18/2019</a:t>
+              <a:t>9/18/19</a:t>
             </a:fld>
             <a:endParaRPr lang="en-US"/>
           </a:p>
@@ -2940,7 +2940,7 @@
           </a:ln>
           <a:extLst>
             <a:ext uri="{909E8E84-426E-40dd-AFC4-6F175D3DCCD1}">
-              <a14:hiddenFill xmlns="" xmlns:a14="http://schemas.microsoft.com/office/drawing/2010/main">
+              <a14:hiddenFill xmlns:a14="http://schemas.microsoft.com/office/drawing/2010/main" xmlns="">
                 <a:noFill/>
               </a14:hiddenFill>
             </a:ext>
@@ -2978,14 +2978,14 @@
           </a:ln>
           <a:extLst>
             <a:ext uri="{909E8E84-426E-40dd-AFC4-6F175D3DCCD1}">
-              <a14:hiddenFill xmlns="" xmlns:a14="http://schemas.microsoft.com/office/drawing/2010/main">
+              <a14:hiddenFill xmlns:a14="http://schemas.microsoft.com/office/drawing/2010/main" xmlns="">
                 <a:solidFill>
                   <a:srgbClr val="FFFFFF"/>
                 </a:solidFill>
               </a14:hiddenFill>
             </a:ext>
             <a:ext uri="{91240B29-F687-4f45-9708-019B960494DF}">
-              <a14:hiddenLine xmlns="" xmlns:a14="http://schemas.microsoft.com/office/drawing/2010/main" w="9525">
+              <a14:hiddenLine xmlns:a14="http://schemas.microsoft.com/office/drawing/2010/main" xmlns="" w="9525">
                 <a:solidFill>
                   <a:srgbClr val="000000"/>
                 </a:solidFill>
@@ -2995,7 +2995,7 @@
               </a14:hiddenLine>
             </a:ext>
             <a:ext uri="{FAA26D3D-D897-4be2-8F04-BA451C77F1D7}">
-              <ma14:placeholderFlag xmlns="" xmlns:ma14="http://schemas.microsoft.com/office/mac/drawingml/2011/main" val="1"/>
+              <ma14:placeholderFlag xmlns:ma14="http://schemas.microsoft.com/office/mac/drawingml/2011/main" xmlns="" val="1"/>
             </a:ext>
           </a:extLst>
         </p:spPr>
@@ -3043,7 +3043,7 @@
           </a:ln>
           <a:extLst>
             <a:ext uri="{909E8E84-426E-40dd-AFC4-6F175D3DCCD1}">
-              <a14:hiddenFill xmlns="" xmlns:a14="http://schemas.microsoft.com/office/drawing/2010/main">
+              <a14:hiddenFill xmlns:a14="http://schemas.microsoft.com/office/drawing/2010/main" xmlns="">
                 <a:noFill/>
               </a14:hiddenFill>
             </a:ext>
@@ -3079,14 +3079,14 @@
           </a:ln>
           <a:extLst>
             <a:ext uri="{909E8E84-426E-40dd-AFC4-6F175D3DCCD1}">
-              <a14:hiddenFill xmlns="" xmlns:a14="http://schemas.microsoft.com/office/drawing/2010/main">
+              <a14:hiddenFill xmlns:a14="http://schemas.microsoft.com/office/drawing/2010/main" xmlns="">
                 <a:solidFill>
                   <a:srgbClr val="FFFFFF"/>
                 </a:solidFill>
               </a14:hiddenFill>
             </a:ext>
             <a:ext uri="{91240B29-F687-4f45-9708-019B960494DF}">
-              <a14:hiddenLine xmlns="" xmlns:a14="http://schemas.microsoft.com/office/drawing/2010/main" w="9525">
+              <a14:hiddenLine xmlns:a14="http://schemas.microsoft.com/office/drawing/2010/main" xmlns="" w="9525">
                 <a:solidFill>
                   <a:srgbClr val="000000"/>
                 </a:solidFill>
@@ -3243,14 +3243,14 @@
           </a:ln>
           <a:extLst>
             <a:ext uri="{909E8E84-426E-40dd-AFC4-6F175D3DCCD1}">
-              <a14:hiddenFill xmlns="" xmlns:a14="http://schemas.microsoft.com/office/drawing/2010/main">
+              <a14:hiddenFill xmlns:a14="http://schemas.microsoft.com/office/drawing/2010/main" xmlns="">
                 <a:solidFill>
                   <a:srgbClr val="FFFFFF"/>
                 </a:solidFill>
               </a14:hiddenFill>
             </a:ext>
             <a:ext uri="{91240B29-F687-4f45-9708-019B960494DF}">
-              <a14:hiddenLine xmlns="" xmlns:a14="http://schemas.microsoft.com/office/drawing/2010/main" w="9525">
+              <a14:hiddenLine xmlns:a14="http://schemas.microsoft.com/office/drawing/2010/main" xmlns="" w="9525">
                 <a:solidFill>
                   <a:srgbClr val="000000"/>
                 </a:solidFill>
@@ -3260,7 +3260,7 @@
               </a14:hiddenLine>
             </a:ext>
             <a:ext uri="{FAA26D3D-D897-4be2-8F04-BA451C77F1D7}">
-              <ma14:placeholderFlag xmlns="" xmlns:ma14="http://schemas.microsoft.com/office/mac/drawingml/2011/main" val="1"/>
+              <ma14:placeholderFlag xmlns:ma14="http://schemas.microsoft.com/office/mac/drawingml/2011/main" xmlns="" val="1"/>
             </a:ext>
           </a:extLst>
         </p:spPr>
@@ -3907,14 +3907,14 @@
           </a:ln>
           <a:extLst>
             <a:ext uri="{909E8E84-426E-40dd-AFC4-6F175D3DCCD1}">
-              <a14:hiddenFill xmlns="" xmlns:a14="http://schemas.microsoft.com/office/drawing/2010/main">
+              <a14:hiddenFill xmlns:a14="http://schemas.microsoft.com/office/drawing/2010/main" xmlns="">
                 <a:solidFill>
                   <a:srgbClr val="FFFFFF"/>
                 </a:solidFill>
               </a14:hiddenFill>
             </a:ext>
             <a:ext uri="{91240B29-F687-4f45-9708-019B960494DF}">
-              <a14:hiddenLine xmlns="" xmlns:a14="http://schemas.microsoft.com/office/drawing/2010/main" w="9525">
+              <a14:hiddenLine xmlns:a14="http://schemas.microsoft.com/office/drawing/2010/main" xmlns="" w="9525">
                 <a:solidFill>
                   <a:srgbClr val="000000"/>
                 </a:solidFill>
@@ -3944,24 +3944,12 @@
               <a:t>Kayla-Jade </a:t>
             </a:r>
             <a:r>
-              <a:rPr lang="en-US" sz="1600" b="1" dirty="0" err="1" smtClean="0"/>
+              <a:rPr lang="en-US" sz="1600" b="1" dirty="0" err="1"/>
               <a:t>Butkow</a:t>
             </a:r>
             <a:r>
-              <a:rPr lang="en-US" sz="1600" b="1" dirty="0" smtClean="0"/>
-              <a:t>*, </a:t>
-            </a:r>
-            <a:r>
               <a:rPr lang="en-US" sz="1600" b="1" dirty="0"/>
-              <a:t>Kelvin da </a:t>
-            </a:r>
-            <a:r>
-              <a:rPr lang="en-US" sz="1600" b="1" dirty="0" smtClean="0"/>
-              <a:t>Silva* and </a:t>
-            </a:r>
-            <a:r>
-              <a:rPr lang="en-US" sz="1600" b="1" dirty="0"/>
-              <a:t>David M. Rubin</a:t>
+              <a:t>*, Kelvin da Silva* and David M. Rubin</a:t>
             </a:r>
           </a:p>
           <a:p>
@@ -4021,11 +4009,7 @@
             </a:r>
             <a:r>
               <a:rPr lang="en-US" sz="1600" b="1" dirty="0"/>
-              <a:t>, South </a:t>
-            </a:r>
-            <a:r>
-              <a:rPr lang="en-US" sz="1600" b="1" dirty="0" smtClean="0"/>
-              <a:t>Africa</a:t>
+              <a:t>, South Africa</a:t>
             </a:r>
           </a:p>
           <a:p>
@@ -4038,12 +4022,8 @@
               </a:spcAft>
             </a:pPr>
             <a:r>
-              <a:rPr lang="en-US" sz="1600" b="1" dirty="0" smtClean="0"/>
-              <a:t>*Joint </a:t>
-            </a:r>
-            <a:r>
               <a:rPr lang="en-US" sz="1600" b="1" dirty="0"/>
-              <a:t>first authors</a:t>
+              <a:t>*Joint first authors</a:t>
             </a:r>
             <a:endParaRPr lang="en-US" b="1" dirty="0">
               <a:solidFill>
@@ -4238,14 +4218,14 @@
           </a:ln>
           <a:extLst>
             <a:ext uri="{909E8E84-426E-40dd-AFC4-6F175D3DCCD1}">
-              <a14:hiddenFill xmlns="" xmlns:a14="http://schemas.microsoft.com/office/drawing/2010/main">
+              <a14:hiddenFill xmlns:a14="http://schemas.microsoft.com/office/drawing/2010/main" xmlns="">
                 <a:solidFill>
                   <a:srgbClr val="FFFFFF"/>
                 </a:solidFill>
               </a14:hiddenFill>
             </a:ext>
             <a:ext uri="{91240B29-F687-4f45-9708-019B960494DF}">
-              <a14:hiddenLine xmlns="" xmlns:a14="http://schemas.microsoft.com/office/drawing/2010/main" w="9525">
+              <a14:hiddenLine xmlns:a14="http://schemas.microsoft.com/office/drawing/2010/main" xmlns="" w="9525">
                 <a:solidFill>
                   <a:srgbClr val="000000"/>
                 </a:solidFill>
@@ -4255,7 +4235,7 @@
               </a14:hiddenLine>
             </a:ext>
             <a:ext uri="{FAA26D3D-D897-4be2-8F04-BA451C77F1D7}">
-              <ma14:placeholderFlag xmlns="" xmlns:ma14="http://schemas.microsoft.com/office/mac/drawingml/2011/main" val="1"/>
+              <ma14:placeholderFlag xmlns:ma14="http://schemas.microsoft.com/office/mac/drawingml/2011/main" xmlns="" val="1"/>
             </a:ext>
           </a:extLst>
         </p:spPr>
@@ -4708,8 +4688,8 @@
           </a:p>
         </p:txBody>
       </p:sp>
-      <mc:AlternateContent xmlns:mc="http://schemas.openxmlformats.org/markup-compatibility/2006">
-        <mc:Choice xmlns:a14="http://schemas.microsoft.com/office/drawing/2010/main" Requires="a14">
+      <mc:AlternateContent xmlns:mc="http://schemas.openxmlformats.org/markup-compatibility/2006" xmlns:a14="http://schemas.microsoft.com/office/drawing/2010/main">
+        <mc:Choice Requires="a14">
           <p:sp>
             <p:nvSpPr>
               <p:cNvPr id="11" name="Content Placeholder 2"/>
@@ -4749,7 +4729,7 @@
                   </a14:hiddenLine>
                 </a:ext>
                 <a:ext uri="{FAA26D3D-D897-4be2-8F04-BA451C77F1D7}">
-                  <ma14:placeholderFlag xmlns="" xmlns:ma14="http://schemas.microsoft.com/office/mac/drawingml/2011/main" val="1"/>
+                  <ma14:placeholderFlag xmlns:ma14="http://schemas.microsoft.com/office/mac/drawingml/2011/main" xmlns="" val="1"/>
                 </a:ext>
               </a:extLst>
             </p:spPr>
@@ -4984,13 +4964,8 @@
               <a:p>
                 <a:r>
                   <a:rPr lang="en-ZA" kern="0" dirty="0"/>
-                  <a:t>Spatial aliasing </a:t>
+                  <a:t>Spatial aliasing [13]</a:t>
                 </a:r>
-                <a:r>
-                  <a:rPr lang="en-ZA" kern="0" dirty="0" smtClean="0"/>
-                  <a:t>[13]</a:t>
-                </a:r>
-                <a:endParaRPr lang="en-ZA" kern="0" dirty="0"/>
               </a:p>
               <a:p>
                 <a:pPr lvl="1"/>
@@ -5118,7 +5093,7 @@
             </p:txBody>
           </p:sp>
         </mc:Choice>
-        <mc:Fallback>
+        <mc:Fallback xmlns="">
           <p:sp>
             <p:nvSpPr>
               <p:cNvPr id="11" name="Content Placeholder 2"/>
@@ -5308,14 +5283,14 @@
           </a:ln>
           <a:extLst>
             <a:ext uri="{909E8E84-426E-40dd-AFC4-6F175D3DCCD1}">
-              <a14:hiddenFill xmlns="" xmlns:a14="http://schemas.microsoft.com/office/drawing/2010/main">
+              <a14:hiddenFill xmlns:a14="http://schemas.microsoft.com/office/drawing/2010/main" xmlns="">
                 <a:solidFill>
                   <a:srgbClr val="FFFFFF"/>
                 </a:solidFill>
               </a14:hiddenFill>
             </a:ext>
             <a:ext uri="{91240B29-F687-4f45-9708-019B960494DF}">
-              <a14:hiddenLine xmlns="" xmlns:a14="http://schemas.microsoft.com/office/drawing/2010/main" w="9525">
+              <a14:hiddenLine xmlns:a14="http://schemas.microsoft.com/office/drawing/2010/main" xmlns="" w="9525">
                 <a:solidFill>
                   <a:srgbClr val="000000"/>
                 </a:solidFill>
@@ -5325,7 +5300,7 @@
               </a14:hiddenLine>
             </a:ext>
             <a:ext uri="{FAA26D3D-D897-4be2-8F04-BA451C77F1D7}">
-              <ma14:placeholderFlag xmlns="" xmlns:ma14="http://schemas.microsoft.com/office/mac/drawingml/2011/main" val="1"/>
+              <ma14:placeholderFlag xmlns:ma14="http://schemas.microsoft.com/office/mac/drawingml/2011/main" xmlns="" val="1"/>
             </a:ext>
           </a:extLst>
         </p:spPr>
@@ -5794,14 +5769,14 @@
           </a:ln>
           <a:extLst>
             <a:ext uri="{909E8E84-426E-40dd-AFC4-6F175D3DCCD1}">
-              <a14:hiddenFill xmlns="" xmlns:a14="http://schemas.microsoft.com/office/drawing/2010/main">
+              <a14:hiddenFill xmlns:a14="http://schemas.microsoft.com/office/drawing/2010/main" xmlns="">
                 <a:solidFill>
                   <a:srgbClr val="FFFFFF"/>
                 </a:solidFill>
               </a14:hiddenFill>
             </a:ext>
             <a:ext uri="{91240B29-F687-4f45-9708-019B960494DF}">
-              <a14:hiddenLine xmlns="" xmlns:a14="http://schemas.microsoft.com/office/drawing/2010/main" w="9525">
+              <a14:hiddenLine xmlns:a14="http://schemas.microsoft.com/office/drawing/2010/main" xmlns="" w="9525">
                 <a:solidFill>
                   <a:srgbClr val="000000"/>
                 </a:solidFill>
@@ -5811,7 +5786,7 @@
               </a14:hiddenLine>
             </a:ext>
             <a:ext uri="{FAA26D3D-D897-4be2-8F04-BA451C77F1D7}">
-              <ma14:placeholderFlag xmlns="" xmlns:ma14="http://schemas.microsoft.com/office/mac/drawingml/2011/main" val="1"/>
+              <ma14:placeholderFlag xmlns:ma14="http://schemas.microsoft.com/office/mac/drawingml/2011/main" xmlns="" val="1"/>
             </a:ext>
           </a:extLst>
         </p:spPr>
@@ -7487,20 +7462,8 @@
               <a:buNone/>
             </a:pPr>
             <a:r>
-              <a:rPr lang="en-ZA" sz="800" b="0" dirty="0" smtClean="0"/>
-              <a:t>  [</a:t>
-            </a:r>
-            <a:r>
               <a:rPr lang="en-ZA" sz="800" b="0" dirty="0"/>
-              <a:t>1] </a:t>
-            </a:r>
-            <a:r>
-              <a:rPr lang="en-ZA" sz="800" b="0" dirty="0" smtClean="0"/>
-              <a:t> D</a:t>
-            </a:r>
-            <a:r>
-              <a:rPr lang="en-ZA" sz="800" b="0" dirty="0"/>
-              <a:t>. V. Anderson, R. W. Harris, and D. M. </a:t>
+              <a:t>  [1]  D. V. Anderson, R. W. Harris, and D. M. </a:t>
             </a:r>
             <a:r>
               <a:rPr lang="en-ZA" sz="800" b="0" dirty="0" err="1"/>
@@ -7508,49 +7471,16 @@
             </a:r>
             <a:r>
               <a:rPr lang="en-ZA" sz="800" b="0" dirty="0"/>
-              <a:t>, “Evaluation </a:t>
-            </a:r>
-            <a:r>
-              <a:rPr lang="en-ZA" sz="800" b="0" dirty="0" smtClean="0"/>
-              <a:t>of a </a:t>
-            </a:r>
-            <a:r>
-              <a:rPr lang="en-ZA" sz="800" b="0" dirty="0"/>
-              <a:t>hearing compensation algorithm,” 1995 International Conference </a:t>
-            </a:r>
-            <a:r>
-              <a:rPr lang="en-ZA" sz="800" b="0" dirty="0" smtClean="0"/>
-              <a:t>on Acoustics</a:t>
-            </a:r>
-            <a:r>
-              <a:rPr lang="en-ZA" sz="800" b="0" dirty="0"/>
-              <a:t>, Speech, and Signal Processing, vol. 5, </a:t>
-            </a:r>
-            <a:r>
-              <a:rPr lang="en-ZA" sz="800" b="0" dirty="0" smtClean="0"/>
-              <a:t>pp. 3531– 	</a:t>
-            </a:r>
-            <a:endParaRPr lang="en-ZA" sz="800" b="0" dirty="0"/>
+              <a:t>, “Evaluation of a hearing compensation algorithm,” 1995 International Conference on Acoustics, Speech, and Signal Processing, vol. 5, pp. 3531– 	</a:t>
+            </a:r>
           </a:p>
           <a:p>
             <a:pPr marL="190500" indent="0" algn="just">
               <a:buNone/>
             </a:pPr>
             <a:r>
-              <a:rPr lang="en-ZA" sz="800" b="0" dirty="0" smtClean="0"/>
-              <a:t>  [</a:t>
-            </a:r>
-            <a:r>
               <a:rPr lang="en-ZA" sz="800" b="0" dirty="0"/>
-              <a:t>2</a:t>
-            </a:r>
-            <a:r>
-              <a:rPr lang="en-ZA" sz="800" b="0" dirty="0" smtClean="0"/>
-              <a:t>]  </a:t>
-            </a:r>
-            <a:r>
-              <a:rPr lang="en-ZA" sz="800" b="0" dirty="0"/>
-              <a:t>Y.-T. </a:t>
+              <a:t>  [2]  Y.-T. </a:t>
             </a:r>
             <a:r>
               <a:rPr lang="en-ZA" sz="800" b="0" dirty="0" err="1"/>
@@ -7561,24 +7491,12 @@
               <a:t> et al., “Complexity-effective auditory compensation for </a:t>
             </a:r>
             <a:r>
-              <a:rPr lang="en-ZA" sz="800" b="0" dirty="0" err="1" smtClean="0"/>
+              <a:rPr lang="en-ZA" sz="800" b="0" dirty="0" err="1"/>
               <a:t>digitalhearing</a:t>
             </a:r>
             <a:r>
-              <a:rPr lang="en-ZA" sz="800" b="0" dirty="0" smtClean="0"/>
-              <a:t> </a:t>
-            </a:r>
-            <a:r>
               <a:rPr lang="en-ZA" sz="800" b="0" dirty="0"/>
-              <a:t>aids,” 2008 IEEE International Symposium on Circuits </a:t>
-            </a:r>
-            <a:r>
-              <a:rPr lang="en-ZA" sz="800" b="0" dirty="0" smtClean="0"/>
-              <a:t>and Systems</a:t>
-            </a:r>
-            <a:r>
-              <a:rPr lang="en-ZA" sz="800" b="0" dirty="0"/>
-              <a:t>, pp. 1472–1475, 2008.</a:t>
+              <a:t> aids,” 2008 IEEE International Symposium on Circuits and Systems, pp. 1472–1475, 2008.</a:t>
             </a:r>
           </a:p>
           <a:p>
@@ -7586,24 +7504,24 @@
               <a:buNone/>
             </a:pPr>
             <a:r>
-              <a:rPr lang="en-ZA" sz="800" b="0" dirty="0" smtClean="0"/>
-              <a:t>  [</a:t>
-            </a:r>
-            <a:r>
               <a:rPr lang="en-ZA" sz="800" b="0" dirty="0"/>
-              <a:t>3] </a:t>
-            </a:r>
-            <a:r>
-              <a:rPr lang="en-ZA" sz="800" b="0" dirty="0" smtClean="0"/>
-              <a:t> </a:t>
-            </a:r>
-            <a:r>
-              <a:rPr lang="en-ZA" sz="800" b="0" dirty="0" err="1" smtClean="0"/>
+              <a:t>  [3]  </a:t>
+            </a:r>
+            <a:r>
+              <a:rPr lang="en-ZA" sz="800" b="0" dirty="0" err="1"/>
               <a:t>earinstitute</a:t>
             </a:r>
             <a:r>
               <a:rPr lang="en-ZA" sz="800" b="0" dirty="0"/>
-              <a:t>. Range of hearing aid prices in south </a:t>
+              <a:t>. Range of hearing aid prices in South Africa. Last accessed: 31/08/2018. [Online]. Available: https://</a:t>
+            </a:r>
+            <a:r>
+              <a:rPr lang="en-ZA" sz="800" b="0" dirty="0" err="1"/>
+              <a:t>www.earinstitute.co.za</a:t>
+            </a:r>
+            <a:r>
+              <a:rPr lang="en-ZA" sz="800" b="0" dirty="0"/>
+              <a:t>/range-of-hearing-aid-prices-in-south/-</a:t>
             </a:r>
             <a:r>
               <a:rPr lang="en-ZA" sz="800" b="0" dirty="0" err="1"/>
@@ -7611,23 +7529,7 @@
             </a:r>
             <a:r>
               <a:rPr lang="en-ZA" sz="800" b="0" dirty="0"/>
-              <a:t>. </a:t>
-            </a:r>
-            <a:r>
-              <a:rPr lang="en-ZA" sz="800" b="0" dirty="0" smtClean="0"/>
-              <a:t>Last accessed</a:t>
-            </a:r>
-            <a:r>
-              <a:rPr lang="en-ZA" sz="800" b="0" dirty="0"/>
-              <a:t>: 31/08/2018. [Online]. Available: https://</a:t>
-            </a:r>
-            <a:r>
-              <a:rPr lang="en-ZA" sz="800" b="0" dirty="0" smtClean="0"/>
-              <a:t>www.earinstitute.co.za/range-of-hearing-aid-prices-in-south</a:t>
-            </a:r>
-            <a:r>
-              <a:rPr lang="en-ZA" sz="800" b="0" dirty="0"/>
-              <a:t>/-africa/</a:t>
+              <a:t>/</a:t>
             </a:r>
           </a:p>
           <a:p>
@@ -7635,36 +7537,8 @@
               <a:buNone/>
             </a:pPr>
             <a:r>
-              <a:rPr lang="en-ZA" sz="800" b="0" dirty="0" smtClean="0"/>
-              <a:t>  [</a:t>
-            </a:r>
-            <a:r>
               <a:rPr lang="en-ZA" sz="800" b="0" dirty="0"/>
-              <a:t>4] </a:t>
-            </a:r>
-            <a:r>
-              <a:rPr lang="en-ZA" sz="800" b="0" dirty="0" smtClean="0"/>
-              <a:t> J</a:t>
-            </a:r>
-            <a:r>
-              <a:rPr lang="en-ZA" sz="800" b="0" dirty="0"/>
-              <a:t>. T. George and E. Elias, “A 16-band reconfigurable hearing </a:t>
-            </a:r>
-            <a:r>
-              <a:rPr lang="en-ZA" sz="800" b="0" dirty="0" smtClean="0"/>
-              <a:t>aid using </a:t>
-            </a:r>
-            <a:r>
-              <a:rPr lang="en-ZA" sz="800" b="0" dirty="0"/>
-              <a:t>variable bandwidth filters,” Global Journal of Researches </a:t>
-            </a:r>
-            <a:r>
-              <a:rPr lang="en-ZA" sz="800" b="0" dirty="0" smtClean="0"/>
-              <a:t>in Engineering</a:t>
-            </a:r>
-            <a:r>
-              <a:rPr lang="en-ZA" sz="800" b="0" dirty="0"/>
-              <a:t>: Electrical and Electronics Engineering, vol. 14, 2014.</a:t>
+              <a:t>  [4]  J. T. George and E. Elias, “A 16-band reconfigurable hearing aid using variable bandwidth filters,” Global Journal of Researches in Engineering: Electrical and Electronics Engineering, vol. 14, 2014.</a:t>
             </a:r>
           </a:p>
           <a:p>
@@ -7672,20 +7546,8 @@
               <a:buNone/>
             </a:pPr>
             <a:r>
-              <a:rPr lang="en-ZA" sz="800" b="0" dirty="0" smtClean="0"/>
-              <a:t>  [</a:t>
-            </a:r>
-            <a:r>
               <a:rPr lang="en-ZA" sz="800" b="0" dirty="0"/>
-              <a:t>5</a:t>
-            </a:r>
-            <a:r>
-              <a:rPr lang="en-ZA" sz="800" b="0" dirty="0" smtClean="0"/>
-              <a:t>]  </a:t>
-            </a:r>
-            <a:r>
-              <a:rPr lang="en-ZA" sz="800" b="0" dirty="0"/>
-              <a:t>N. </a:t>
+              <a:t>  [5]  N. </a:t>
             </a:r>
             <a:r>
               <a:rPr lang="en-ZA" sz="800" b="0" dirty="0" err="1"/>
@@ -7701,23 +7563,7 @@
             </a:r>
             <a:r>
               <a:rPr lang="en-ZA" sz="800" b="0" dirty="0"/>
-              <a:t>, “A survey of filter bank </a:t>
-            </a:r>
-            <a:r>
-              <a:rPr lang="en-ZA" sz="800" b="0" dirty="0" smtClean="0"/>
-              <a:t>algorithms for </a:t>
-            </a:r>
-            <a:r>
-              <a:rPr lang="en-ZA" sz="800" b="0" dirty="0"/>
-              <a:t>biomedical applications,” 2014 International Conference </a:t>
-            </a:r>
-            <a:r>
-              <a:rPr lang="en-ZA" sz="800" b="0" dirty="0" smtClean="0"/>
-              <a:t>on Computer </a:t>
-            </a:r>
-            <a:r>
-              <a:rPr lang="en-ZA" sz="800" b="0" dirty="0"/>
-              <a:t>Communication and Informatics, 2014.</a:t>
+              <a:t>, “A survey of filter bank algorithms for biomedical applications,” 2014 International Conference on Computer Communication and Informatics, 2014.</a:t>
             </a:r>
           </a:p>
           <a:p>
@@ -7725,20 +7571,8 @@
               <a:buNone/>
             </a:pPr>
             <a:r>
-              <a:rPr lang="en-ZA" sz="800" b="0" dirty="0" smtClean="0"/>
-              <a:t>  [</a:t>
-            </a:r>
-            <a:r>
               <a:rPr lang="en-ZA" sz="800" b="0" dirty="0"/>
-              <a:t>6] </a:t>
-            </a:r>
-            <a:r>
-              <a:rPr lang="en-ZA" sz="800" b="0" dirty="0" smtClean="0"/>
-              <a:t> C</a:t>
-            </a:r>
-            <a:r>
-              <a:rPr lang="en-ZA" sz="800" b="0" dirty="0"/>
-              <a:t>. Yang, C. Liu, and S. </a:t>
+              <a:t>  [6]  C. Yang, C. Liu, and S. </a:t>
             </a:r>
             <a:r>
               <a:rPr lang="en-ZA" sz="800" b="0" dirty="0" err="1"/>
@@ -7754,40 +7588,23 @@
             </a:r>
             <a:r>
               <a:rPr lang="en-ZA" sz="800" b="0" dirty="0"/>
-              <a:t> </a:t>
-            </a:r>
-            <a:r>
-              <a:rPr lang="en-ZA" sz="800" b="0" dirty="0" smtClean="0"/>
-              <a:t>1/3-octave </a:t>
-            </a:r>
-            <a:r>
-              <a:rPr lang="en-ZA" sz="800" b="0" dirty="0"/>
-              <a:t>filter bank using re-sampling method for digital hearing aids,” </a:t>
-            </a:r>
-            <a:r>
-              <a:rPr lang="en-ZA" sz="800" b="0" dirty="0" smtClean="0"/>
-              <a:t>in 2014 </a:t>
-            </a:r>
-            <a:r>
-              <a:rPr lang="en-ZA" sz="800" b="0" dirty="0"/>
-              <a:t>IEEE International Conference on Acoustics, Speech and 	</a:t>
-            </a:r>
-            <a:endParaRPr lang="en-ZA" sz="800" b="0" dirty="0" smtClean="0"/>
+              <a:t> 1/3-octave filter bank using re-sampling method for digital hearing aids,” in 2014 IEEE International Conference on Acoustics, Speech and 	</a:t>
+            </a:r>
           </a:p>
           <a:p>
             <a:pPr marL="190500" indent="0" algn="just">
               <a:buNone/>
             </a:pPr>
             <a:r>
-              <a:rPr lang="en-ZA" sz="800" b="0" dirty="0" smtClean="0"/>
+              <a:rPr lang="en-ZA" sz="800" b="0" dirty="0"/>
               <a:t>  [7]  A. Sebastian and T. G. James, “Digital filter bank for hearing aid application using </a:t>
             </a:r>
             <a:r>
-              <a:rPr lang="en-ZA" sz="800" b="0" dirty="0" err="1" smtClean="0"/>
+              <a:rPr lang="en-ZA" sz="800" b="0" dirty="0" err="1"/>
               <a:t>frm</a:t>
             </a:r>
             <a:r>
-              <a:rPr lang="en-ZA" sz="800" b="0" dirty="0" smtClean="0"/>
+              <a:rPr lang="en-ZA" sz="800" b="0" dirty="0"/>
               <a:t> technique,” 2015 IEEE International Conference on Signal Processing, Informatics, Communication and Energy 	</a:t>
             </a:r>
           </a:p>
@@ -7796,36 +7613,8 @@
               <a:buNone/>
             </a:pPr>
             <a:r>
-              <a:rPr lang="en-ZA" sz="800" b="0" dirty="0" smtClean="0"/>
-              <a:t>  [</a:t>
-            </a:r>
-            <a:r>
               <a:rPr lang="en-ZA" sz="800" b="0" dirty="0"/>
-              <a:t>8] </a:t>
-            </a:r>
-            <a:r>
-              <a:rPr lang="en-ZA" sz="800" b="0" dirty="0" smtClean="0"/>
-              <a:t> Y</a:t>
-            </a:r>
-            <a:r>
-              <a:rPr lang="en-ZA" sz="800" b="0" dirty="0"/>
-              <a:t>.-T. Chang et al., “Complexity-effective auditory compensation with </a:t>
-            </a:r>
-            <a:r>
-              <a:rPr lang="en-ZA" sz="800" b="0" dirty="0" smtClean="0"/>
-              <a:t>a controllable </a:t>
-            </a:r>
-            <a:r>
-              <a:rPr lang="en-ZA" sz="800" b="0" dirty="0"/>
-              <a:t>filter for digital hearing aids,” 17th Asia and South </a:t>
-            </a:r>
-            <a:r>
-              <a:rPr lang="en-ZA" sz="800" b="0" dirty="0" smtClean="0"/>
-              <a:t>Pacific Design </a:t>
-            </a:r>
-            <a:r>
-              <a:rPr lang="en-ZA" sz="800" b="0" dirty="0"/>
-              <a:t>Automation Conference, pp. 557–558, 2012.</a:t>
+              <a:t>  [8]  Y.-T. Chang et al., “Complexity-effective auditory compensation with a controllable filter for digital hearing aids,” 17th Asia and South Pacific Design Automation Conference, pp. 557–558, 2012.</a:t>
             </a:r>
           </a:p>
           <a:p>
@@ -7833,28 +7622,8 @@
               <a:buNone/>
             </a:pPr>
             <a:r>
-              <a:rPr lang="en-ZA" sz="800" b="0" dirty="0" smtClean="0"/>
-              <a:t>  [</a:t>
-            </a:r>
-            <a:r>
               <a:rPr lang="en-ZA" sz="800" b="0" dirty="0"/>
-              <a:t>9] </a:t>
-            </a:r>
-            <a:r>
-              <a:rPr lang="en-ZA" sz="800" b="0" dirty="0" smtClean="0"/>
-              <a:t> T</a:t>
-            </a:r>
-            <a:r>
-              <a:rPr lang="en-ZA" sz="800" b="0" dirty="0"/>
-              <a:t>. Ricketts, “Directional hearing aids,” Trends in Amplification, vol. </a:t>
-            </a:r>
-            <a:r>
-              <a:rPr lang="en-ZA" sz="800" b="0" dirty="0" smtClean="0"/>
-              <a:t>5, no</a:t>
-            </a:r>
-            <a:r>
-              <a:rPr lang="en-ZA" sz="800" b="0" dirty="0"/>
-              <a:t>. 4, pp. 139–176, 2001.</a:t>
+              <a:t>  [9]  T. Ricketts, “Directional hearing aids,” Trends in Amplification, vol. 5, no. 4, pp. 139–176, 2001.</a:t>
             </a:r>
           </a:p>
           <a:p>
@@ -7863,15 +7632,7 @@
             </a:pPr>
             <a:r>
               <a:rPr lang="en-ZA" sz="800" b="0" dirty="0"/>
-              <a:t>[10</a:t>
-            </a:r>
-            <a:r>
-              <a:rPr lang="en-ZA" sz="800" b="0" dirty="0" smtClean="0"/>
-              <a:t>]  </a:t>
-            </a:r>
-            <a:r>
-              <a:rPr lang="en-ZA" sz="800" b="0" dirty="0"/>
-              <a:t>P. </a:t>
+              <a:t>[10]  P. </a:t>
             </a:r>
             <a:r>
               <a:rPr lang="en-ZA" sz="800" b="0" dirty="0" err="1"/>
@@ -7879,23 +7640,7 @@
             </a:r>
             <a:r>
               <a:rPr lang="en-ZA" sz="800" b="0" dirty="0"/>
-              <a:t> et al., “An ultra-low power analogue directionality </a:t>
-            </a:r>
-            <a:r>
-              <a:rPr lang="en-ZA" sz="800" b="0" dirty="0" smtClean="0"/>
-              <a:t>system for </a:t>
-            </a:r>
-            <a:r>
-              <a:rPr lang="en-ZA" sz="800" b="0" dirty="0"/>
-              <a:t>digital hearing aids,” 2004 IEEE International Symposium </a:t>
-            </a:r>
-            <a:r>
-              <a:rPr lang="en-ZA" sz="800" b="0" dirty="0" smtClean="0"/>
-              <a:t>on Circuits </a:t>
-            </a:r>
-            <a:r>
-              <a:rPr lang="en-ZA" sz="800" b="0" dirty="0"/>
-              <a:t>and Systems, pp. 233–236, 2004.</a:t>
+              <a:t> et al., “An ultra-low power analogue directionality system for digital hearing aids,” 2004 IEEE International Symposium on Circuits and Systems, pp. 233–236, 2004.</a:t>
             </a:r>
           </a:p>
           <a:p>
@@ -7904,15 +7649,7 @@
             </a:pPr>
             <a:r>
               <a:rPr lang="en-ZA" sz="800" b="0" dirty="0"/>
-              <a:t>[11] </a:t>
-            </a:r>
-            <a:r>
-              <a:rPr lang="en-ZA" sz="800" b="0" dirty="0" smtClean="0"/>
-              <a:t> J</a:t>
-            </a:r>
-            <a:r>
-              <a:rPr lang="en-ZA" sz="800" b="0" dirty="0"/>
-              <a:t>. Tiete et al., “</a:t>
+              <a:t>[11]  J. Tiete et al., “</a:t>
             </a:r>
             <a:r>
               <a:rPr lang="en-ZA" sz="800" b="0" dirty="0" err="1"/>
@@ -7923,32 +7660,12 @@
               <a:t>: A distributed mems microphone </a:t>
             </a:r>
             <a:r>
-              <a:rPr lang="en-ZA" sz="800" b="0" dirty="0" err="1" smtClean="0"/>
+              <a:rPr lang="en-ZA" sz="800" b="0" dirty="0" err="1"/>
               <a:t>arraybased</a:t>
             </a:r>
             <a:r>
-              <a:rPr lang="en-ZA" sz="800" b="0" dirty="0" smtClean="0"/>
-              <a:t> sensor </a:t>
-            </a:r>
-            <a:r>
               <a:rPr lang="en-ZA" sz="800" b="0" dirty="0"/>
-              <a:t>for sound source localization,” </a:t>
-            </a:r>
-            <a:r>
-              <a:rPr lang="en-ZA" sz="800" b="0" dirty="0" smtClean="0"/>
-              <a:t>Sensors (Basel</a:t>
-            </a:r>
-            <a:r>
-              <a:rPr lang="en-ZA" sz="800" b="0" dirty="0"/>
-              <a:t>, Switzerland</a:t>
-            </a:r>
-            <a:r>
-              <a:rPr lang="en-ZA" sz="800" b="0" dirty="0" smtClean="0"/>
-              <a:t>), vol</a:t>
-            </a:r>
-            <a:r>
-              <a:rPr lang="en-ZA" sz="800" b="0" dirty="0"/>
-              <a:t>. 14, pp. 1918–49, 02 2014.</a:t>
+              <a:t> sensor for sound source localization,” Sensors (Basel, Switzerland), vol. 14, pp. 1918–49, 02 2014.</a:t>
             </a:r>
           </a:p>
           <a:p>
@@ -7957,31 +7674,7 @@
             </a:pPr>
             <a:r>
               <a:rPr lang="en-ZA" sz="800" b="0" dirty="0"/>
-              <a:t>[12</a:t>
-            </a:r>
-            <a:r>
-              <a:rPr lang="en-ZA" sz="800" b="0" dirty="0" smtClean="0"/>
-              <a:t>]  </a:t>
-            </a:r>
-            <a:r>
-              <a:rPr lang="en-ZA" sz="800" b="0" dirty="0"/>
-              <a:t>S. L. Bell, “Filtering to match hearing aid insertion gain to individual </a:t>
-            </a:r>
-            <a:r>
-              <a:rPr lang="en-ZA" sz="800" b="0" dirty="0" smtClean="0"/>
-              <a:t>ear acoustics</a:t>
-            </a:r>
-            <a:r>
-              <a:rPr lang="en-ZA" sz="800" b="0" dirty="0"/>
-              <a:t>.” Trends in amplification, vol. 13, no. 3, </a:t>
-            </a:r>
-            <a:r>
-              <a:rPr lang="en-ZA" sz="800" b="0" dirty="0" smtClean="0"/>
-              <a:t>pp. 181–189</a:t>
-            </a:r>
-            <a:r>
-              <a:rPr lang="en-ZA" sz="800" b="0" dirty="0"/>
-              <a:t>, 2009.</a:t>
+              <a:t>[12]  S. L. Bell, “Filtering to match hearing aid insertion gain to individual ear acoustics.” Trends in amplification, vol. 13, no. 3, pp. 181–189, 2009.</a:t>
             </a:r>
           </a:p>
           <a:p>
@@ -7990,39 +7683,7 @@
             </a:pPr>
             <a:r>
               <a:rPr lang="en-ZA" sz="800" b="0" dirty="0"/>
-              <a:t>[13] </a:t>
-            </a:r>
-            <a:r>
-              <a:rPr lang="en-ZA" sz="800" b="0" dirty="0" smtClean="0"/>
-              <a:t> J</a:t>
-            </a:r>
-            <a:r>
-              <a:rPr lang="en-ZA" sz="800" b="0" dirty="0"/>
-              <a:t>. Carroll et al., “Fundamental frequency is critical to speech </a:t>
-            </a:r>
-            <a:r>
-              <a:rPr lang="en-ZA" sz="800" b="0" dirty="0" smtClean="0"/>
-              <a:t>perception in </a:t>
-            </a:r>
-            <a:r>
-              <a:rPr lang="en-ZA" sz="800" b="0" dirty="0"/>
-              <a:t>noise in combined acoustic and electric hearing</a:t>
-            </a:r>
-            <a:r>
-              <a:rPr lang="en-ZA" sz="800" b="0" dirty="0" smtClean="0"/>
-              <a:t>,” The </a:t>
-            </a:r>
-            <a:r>
-              <a:rPr lang="en-ZA" sz="800" b="0" dirty="0"/>
-              <a:t>Journal of </a:t>
-            </a:r>
-            <a:r>
-              <a:rPr lang="en-ZA" sz="800" b="0" dirty="0" smtClean="0"/>
-              <a:t>the Acoustical </a:t>
-            </a:r>
-            <a:r>
-              <a:rPr lang="en-ZA" sz="800" b="0" dirty="0"/>
-              <a:t>of America, 2011.</a:t>
+              <a:t>[13]  J. Carroll et al., “Fundamental frequency is critical to speech perception in noise in combined acoustic and electric hearing,” The Journal of the Acoustical of America, 2011.</a:t>
             </a:r>
           </a:p>
           <a:p>
@@ -8031,15 +7692,7 @@
             </a:pPr>
             <a:r>
               <a:rPr lang="en-ZA" sz="800" b="0" dirty="0"/>
-              <a:t>[14] </a:t>
-            </a:r>
-            <a:r>
-              <a:rPr lang="en-ZA" sz="800" b="0" dirty="0" smtClean="0"/>
-              <a:t> V</a:t>
-            </a:r>
-            <a:r>
-              <a:rPr lang="en-ZA" sz="800" b="0" dirty="0"/>
-              <a:t>. </a:t>
+              <a:t>[14]  V. </a:t>
             </a:r>
             <a:r>
               <a:rPr lang="en-ZA" sz="800" b="0" dirty="0" err="1"/>
@@ -8047,15 +7700,7 @@
             </a:r>
             <a:r>
               <a:rPr lang="en-ZA" sz="800" b="0" dirty="0"/>
-              <a:t> et al., Bandwidth Extension of Speech Using </a:t>
-            </a:r>
-            <a:r>
-              <a:rPr lang="en-ZA" sz="800" b="0" dirty="0" smtClean="0"/>
-              <a:t>Perceptual Criteria</a:t>
-            </a:r>
-            <a:r>
-              <a:rPr lang="en-ZA" sz="800" b="0" dirty="0"/>
-              <a:t>. Morgan &amp; Claypool Publishers, 2013.</a:t>
+              <a:t> et al., Bandwidth Extension of Speech Using Perceptual Criteria. Morgan &amp; Claypool Publishers, 2013.</a:t>
             </a:r>
           </a:p>
           <a:p>
@@ -8064,23 +7709,7 @@
             </a:pPr>
             <a:r>
               <a:rPr lang="en-ZA" sz="800" b="0" dirty="0"/>
-              <a:t>[15] </a:t>
-            </a:r>
-            <a:r>
-              <a:rPr lang="en-ZA" sz="800" b="0" dirty="0" smtClean="0"/>
-              <a:t> J</a:t>
-            </a:r>
-            <a:r>
-              <a:rPr lang="en-ZA" sz="800" b="0" dirty="0"/>
-              <a:t>. D. Kraus, Electromagnetics, 3rd ed. McGraw-Hill Book </a:t>
-            </a:r>
-            <a:r>
-              <a:rPr lang="en-ZA" sz="800" b="0" dirty="0" smtClean="0"/>
-              <a:t>Company, 1985</a:t>
-            </a:r>
-            <a:r>
-              <a:rPr lang="en-ZA" sz="800" b="0" dirty="0"/>
-              <a:t>.</a:t>
+              <a:t>[15]  J. D. Kraus, Electromagnetics, 3rd ed. McGraw-Hill Book Company, 1985.</a:t>
             </a:r>
             <a:endParaRPr lang="en-ZA" sz="1400" b="0" dirty="0"/>
           </a:p>
@@ -8132,18 +7761,9 @@
           <a:lstStyle/>
           <a:p>
             <a:r>
-              <a:rPr lang="en-ZA" sz="800" dirty="0" smtClean="0"/>
-              <a:t>   3533</a:t>
-            </a:r>
-            <a:r>
               <a:rPr lang="en-ZA" sz="800" dirty="0"/>
-              <a:t>, </a:t>
-            </a:r>
-            <a:r>
-              <a:rPr lang="en-ZA" sz="800" dirty="0" smtClean="0"/>
-              <a:t>1995.</a:t>
-            </a:r>
-            <a:endParaRPr lang="en-ZA" sz="800" dirty="0"/>
+              <a:t>   3533, 1995.</a:t>
+            </a:r>
           </a:p>
         </p:txBody>
       </p:sp>
@@ -8173,14 +7793,9 @@
               <a:buNone/>
             </a:pPr>
             <a:r>
-              <a:rPr lang="en-ZA" sz="800" dirty="0" smtClean="0"/>
-              <a:t>  Signal </a:t>
-            </a:r>
-            <a:r>
               <a:rPr lang="en-ZA" sz="800" dirty="0"/>
-              <a:t>Processing (ICASSP), 2014, pp. 2639–2643.</a:t>
-            </a:r>
-            <a:endParaRPr lang="en-ZA" sz="800" dirty="0"/>
+              <a:t>  Signal Processing (ICASSP), 2014, pp. 2639–2643.</a:t>
+            </a:r>
           </a:p>
         </p:txBody>
       </p:sp>
@@ -8208,18 +7823,9 @@
           <a:p>
             <a:pPr marL="190500" algn="just"/>
             <a:r>
-              <a:rPr lang="en-ZA" sz="800" dirty="0" smtClean="0"/>
-              <a:t> Systems</a:t>
-            </a:r>
-            <a:r>
               <a:rPr lang="en-ZA" sz="800" dirty="0"/>
-              <a:t>, pp. 1–5, </a:t>
-            </a:r>
-            <a:r>
-              <a:rPr lang="en-ZA" sz="800" dirty="0" smtClean="0"/>
-              <a:t>2015.</a:t>
-            </a:r>
-            <a:endParaRPr lang="en-ZA" sz="800" dirty="0"/>
+              <a:t> Systems, pp. 1–5, 2015.</a:t>
+            </a:r>
           </a:p>
         </p:txBody>
       </p:sp>
@@ -8233,13 +7839,6 @@
   <p:clrMapOvr>
     <a:masterClrMapping/>
   </p:clrMapOvr>
-  <p:timing>
-    <p:tnLst>
-      <p:par>
-        <p:cTn id="1" dur="indefinite" restart="never" nodeType="tmRoot"/>
-      </p:par>
-    </p:tnLst>
-  </p:timing>
 </p:sld>
 </file>
 
@@ -8337,13 +7936,6 @@
   <p:clrMapOvr>
     <a:masterClrMapping/>
   </p:clrMapOvr>
-  <p:timing>
-    <p:tnLst>
-      <p:par>
-        <p:cTn id="1" dur="indefinite" restart="never" nodeType="tmRoot"/>
-      </p:par>
-    </p:tnLst>
-  </p:timing>
 </p:sld>
 </file>
 
@@ -8420,20 +8012,14 @@
           <a:p>
             <a:r>
               <a:rPr lang="en-US" dirty="0"/>
-              <a:t>Affects 5% of the global </a:t>
-            </a:r>
-            <a:r>
-              <a:rPr lang="en-US" dirty="0" smtClean="0"/>
-              <a:t>population [1, 2]</a:t>
-            </a:r>
-            <a:endParaRPr lang="en-US" dirty="0"/>
-          </a:p>
-          <a:p>
-            <a:r>
-              <a:rPr lang="en-US" dirty="0" smtClean="0"/>
+              <a:t>Affects 5% of the global population [1, 2]</a:t>
+            </a:r>
+          </a:p>
+          <a:p>
+            <a:r>
+              <a:rPr lang="en-US" dirty="0"/>
               <a:t>Causes [1, 2]</a:t>
             </a:r>
-            <a:endParaRPr lang="en-US" dirty="0"/>
           </a:p>
           <a:p>
             <a:pPr lvl="1"/>
@@ -8459,13 +8045,8 @@
           <a:p>
             <a:r>
               <a:rPr lang="en-US" dirty="0"/>
-              <a:t>Decreased quality of </a:t>
-            </a:r>
-            <a:r>
-              <a:rPr lang="en-US" dirty="0" smtClean="0"/>
-              <a:t>life [2]</a:t>
-            </a:r>
-            <a:endParaRPr lang="en-US" dirty="0"/>
+              <a:t>Decreased quality of life [2]</a:t>
+            </a:r>
           </a:p>
           <a:p>
             <a:pPr lvl="1"/>
@@ -8598,13 +8179,8 @@
           <a:p>
             <a:r>
               <a:rPr lang="en-US" dirty="0"/>
-              <a:t>Compensatory amplification </a:t>
-            </a:r>
-            <a:r>
-              <a:rPr lang="en-US" dirty="0" smtClean="0"/>
-              <a:t>[4 - 6]</a:t>
-            </a:r>
-            <a:endParaRPr lang="en-US" dirty="0"/>
+              <a:t>Compensatory amplification [4 - 6]</a:t>
+            </a:r>
           </a:p>
           <a:p>
             <a:pPr lvl="1"/>
@@ -8623,10 +8199,9 @@
           </a:p>
           <a:p>
             <a:r>
-              <a:rPr lang="en-US" dirty="0" smtClean="0"/>
+              <a:rPr lang="en-US" dirty="0"/>
               <a:t>Directionality [9 - 11]</a:t>
             </a:r>
-            <a:endParaRPr lang="en-US" dirty="0"/>
           </a:p>
           <a:p>
             <a:pPr lvl="1"/>
@@ -8648,7 +8223,7 @@
               <a:t>Cost of commercial hearing aid ~2000</a:t>
             </a:r>
             <a:r>
-              <a:rPr lang="en-US" dirty="0" smtClean="0"/>
+              <a:rPr lang="en-US"/>
               <a:t>$ [3]</a:t>
             </a:r>
             <a:endParaRPr lang="en-US" dirty="0"/>
@@ -9774,13 +9349,8 @@
           <a:p>
             <a:r>
               <a:rPr lang="en-US" dirty="0"/>
-              <a:t>Audiogram matching: requires amplification of individual frequency </a:t>
-            </a:r>
-            <a:r>
-              <a:rPr lang="en-US" dirty="0" smtClean="0"/>
-              <a:t>bands [12]</a:t>
-            </a:r>
-            <a:endParaRPr lang="en-US" dirty="0"/>
+              <a:t>Audiogram matching: requires amplification of individual frequency bands [12]</a:t>
+            </a:r>
           </a:p>
         </p:txBody>
       </p:sp>
@@ -9958,13 +9528,8 @@
           <a:p>
             <a:r>
               <a:rPr lang="en-ZA" dirty="0"/>
-              <a:t>Delay-and-sum </a:t>
-            </a:r>
-            <a:r>
-              <a:rPr lang="en-ZA" dirty="0" smtClean="0"/>
-              <a:t>beamforming [13 - 15]</a:t>
-            </a:r>
-            <a:endParaRPr lang="en-ZA" dirty="0"/>
+              <a:t>Delay-and-sum beamforming [13 - 15]</a:t>
+            </a:r>
           </a:p>
           <a:p>
             <a:endParaRPr lang="en-ZA" dirty="0"/>
@@ -10253,7 +9818,7 @@
           <a:ln/>
           <a:extLst>
             <a:ext uri="{91240B29-F687-4f45-9708-019B960494DF}">
-              <a14:hiddenLine xmlns="" xmlns:a14="http://schemas.microsoft.com/office/drawing/2010/main" w="9525" cap="flat" cmpd="sng" algn="ctr">
+              <a14:hiddenLine xmlns:a14="http://schemas.microsoft.com/office/drawing/2010/main" xmlns="" w="9525" cap="flat" cmpd="sng" algn="ctr">
                 <a:solidFill>
                   <a:schemeClr val="tx1"/>
                 </a:solidFill>
@@ -10264,7 +9829,7 @@
               </a14:hiddenLine>
             </a:ext>
             <a:ext uri="{AF507438-7753-43e0-B8FC-AC1667EBCBE1}">
-              <a14:hiddenEffects xmlns="" xmlns:a14="http://schemas.microsoft.com/office/drawing/2010/main">
+              <a14:hiddenEffects xmlns:a14="http://schemas.microsoft.com/office/drawing/2010/main" xmlns="">
                 <a:effectLst>
                   <a:outerShdw dist="35921" dir="2700000" algn="ctr" rotWithShape="0">
                     <a:schemeClr val="bg2"/>
@@ -10546,7 +10111,7 @@
         <a:effectLst/>
         <a:extLst>
           <a:ext uri="{91240B29-F687-4f45-9708-019B960494DF}">
-            <a14:hiddenLine xmlns="" xmlns:a14="http://schemas.microsoft.com/office/drawing/2010/main" w="9525" cap="flat" cmpd="sng" algn="ctr">
+            <a14:hiddenLine xmlns:a14="http://schemas.microsoft.com/office/drawing/2010/main" xmlns="" w="9525" cap="flat" cmpd="sng" algn="ctr">
               <a:solidFill>
                 <a:schemeClr val="tx1"/>
               </a:solidFill>
@@ -10557,7 +10122,7 @@
             </a14:hiddenLine>
           </a:ext>
           <a:ext uri="{AF507438-7753-43e0-B8FC-AC1667EBCBE1}">
-            <a14:hiddenEffects xmlns="" xmlns:a14="http://schemas.microsoft.com/office/drawing/2010/main">
+            <a14:hiddenEffects xmlns:a14="http://schemas.microsoft.com/office/drawing/2010/main" xmlns="">
               <a:effectLst>
                 <a:outerShdw dist="35921" dir="2700000" algn="ctr" rotWithShape="0">
                   <a:schemeClr val="bg2"/>
@@ -10624,7 +10189,7 @@
         <a:effectLst/>
         <a:extLst>
           <a:ext uri="{91240B29-F687-4f45-9708-019B960494DF}">
-            <a14:hiddenLine xmlns="" xmlns:a14="http://schemas.microsoft.com/office/drawing/2010/main" w="9525" cap="flat" cmpd="sng" algn="ctr">
+            <a14:hiddenLine xmlns:a14="http://schemas.microsoft.com/office/drawing/2010/main" xmlns="" w="9525" cap="flat" cmpd="sng" algn="ctr">
               <a:solidFill>
                 <a:schemeClr val="tx1"/>
               </a:solidFill>
@@ -10635,7 +10200,7 @@
             </a14:hiddenLine>
           </a:ext>
           <a:ext uri="{AF507438-7753-43e0-B8FC-AC1667EBCBE1}">
-            <a14:hiddenEffects xmlns="" xmlns:a14="http://schemas.microsoft.com/office/drawing/2010/main">
+            <a14:hiddenEffects xmlns:a14="http://schemas.microsoft.com/office/drawing/2010/main" xmlns="">
               <a:effectLst>
                 <a:outerShdw dist="35921" dir="2700000" algn="ctr" rotWithShape="0">
                   <a:schemeClr val="bg2"/>

--- a/Presentation/Presentation.pptx
+++ b/Presentation/Presentation.pptx
@@ -7488,15 +7488,7 @@
             </a:r>
             <a:r>
               <a:rPr lang="en-ZA" sz="800" b="0" dirty="0"/>
-              <a:t> et al., “Complexity-effective auditory compensation for </a:t>
-            </a:r>
-            <a:r>
-              <a:rPr lang="en-ZA" sz="800" b="0" dirty="0" err="1"/>
-              <a:t>digitalhearing</a:t>
-            </a:r>
-            <a:r>
-              <a:rPr lang="en-ZA" sz="800" b="0" dirty="0"/>
-              <a:t> aids,” 2008 IEEE International Symposium on Circuits and Systems, pp. 1472–1475, 2008.</a:t>
+              <a:t> et al., “Complexity-effective auditory compensation for digital hearing aids,” 2008 IEEE International Symposium on Circuits and Systems, pp. 1472–1475, 2008.</a:t>
             </a:r>
           </a:p>
           <a:p>
@@ -7597,15 +7589,7 @@
             </a:pPr>
             <a:r>
               <a:rPr lang="en-ZA" sz="800" b="0" dirty="0"/>
-              <a:t>  [7]  A. Sebastian and T. G. James, “Digital filter bank for hearing aid application using </a:t>
-            </a:r>
-            <a:r>
-              <a:rPr lang="en-ZA" sz="800" b="0" dirty="0" err="1"/>
-              <a:t>frm</a:t>
-            </a:r>
-            <a:r>
-              <a:rPr lang="en-ZA" sz="800" b="0" dirty="0"/>
-              <a:t> technique,” 2015 IEEE International Conference on Signal Processing, Informatics, Communication and Energy 	</a:t>
+              <a:t>  [7]  A. Sebastian and T. G. James, “Digital filter bank for hearing aid application using FRM technique,” 2015 IEEE International Conference on Signal Processing, Informatics, Communication and Energy 	</a:t>
             </a:r>
           </a:p>
           <a:p>
@@ -7657,15 +7641,7 @@
             </a:r>
             <a:r>
               <a:rPr lang="en-ZA" sz="800" b="0" dirty="0"/>
-              <a:t>: A distributed mems microphone </a:t>
-            </a:r>
-            <a:r>
-              <a:rPr lang="en-ZA" sz="800" b="0" dirty="0" err="1"/>
-              <a:t>arraybased</a:t>
-            </a:r>
-            <a:r>
-              <a:rPr lang="en-ZA" sz="800" b="0" dirty="0"/>
-              <a:t> sensor for sound source localization,” Sensors (Basel, Switzerland), vol. 14, pp. 1918–49, 02 2014.</a:t>
+              <a:t>: A distributed mems microphone array-based sensor for sound source localization,” Sensors (Basel, Switzerland), vol. 14, pp. 1918–49, 02 2014.</a:t>
             </a:r>
           </a:p>
           <a:p>
@@ -8220,13 +8196,8 @@
           <a:p>
             <a:r>
               <a:rPr lang="en-US" dirty="0"/>
-              <a:t>Cost of commercial hearing aid ~2000</a:t>
-            </a:r>
-            <a:r>
-              <a:rPr lang="en-US"/>
-              <a:t>$ [3]</a:t>
-            </a:r>
-            <a:endParaRPr lang="en-US" dirty="0"/>
+              <a:t>Cost of commercial hearing aid ~2000$ [3]</a:t>
+            </a:r>
           </a:p>
           <a:p>
             <a:endParaRPr lang="en-US" dirty="0"/>
